--- a/SISPAN_V4.pptx
+++ b/SISPAN_V4.pptx
@@ -5,10 +5,10 @@
     <p:sldMasterId id="2147483913" r:id="rId1"/>
   </p:sldMasterIdLst>
   <p:notesMasterIdLst>
-    <p:notesMasterId r:id="rId19"/>
+    <p:notesMasterId r:id="rId20"/>
   </p:notesMasterIdLst>
   <p:handoutMasterIdLst>
-    <p:handoutMasterId r:id="rId20"/>
+    <p:handoutMasterId r:id="rId21"/>
   </p:handoutMasterIdLst>
   <p:sldIdLst>
     <p:sldId id="346" r:id="rId2"/>
@@ -22,12 +22,13 @@
     <p:sldId id="354" r:id="rId10"/>
     <p:sldId id="347" r:id="rId11"/>
     <p:sldId id="348" r:id="rId12"/>
-    <p:sldId id="353" r:id="rId13"/>
-    <p:sldId id="350" r:id="rId14"/>
-    <p:sldId id="351" r:id="rId15"/>
-    <p:sldId id="352" r:id="rId16"/>
-    <p:sldId id="355" r:id="rId17"/>
-    <p:sldId id="349" r:id="rId18"/>
+    <p:sldId id="356" r:id="rId13"/>
+    <p:sldId id="353" r:id="rId14"/>
+    <p:sldId id="350" r:id="rId15"/>
+    <p:sldId id="351" r:id="rId16"/>
+    <p:sldId id="352" r:id="rId17"/>
+    <p:sldId id="355" r:id="rId18"/>
+    <p:sldId id="349" r:id="rId19"/>
   </p:sldIdLst>
   <p:sldSz cx="12198350" cy="6858000"/>
   <p:notesSz cx="6797675" cy="9926638"/>
@@ -156,6 +157,42 @@
       </a:defRPr>
     </a:lvl9pPr>
   </p:defaultTextStyle>
+  <p:extLst>
+    <p:ext uri="{EFAFB233-063F-42B5-8137-9DF3F51BA10A}">
+      <p15:sldGuideLst xmlns:p15="http://schemas.microsoft.com/office/powerpoint/2012/main">
+        <p15:guide id="1" orient="horz" pos="124">
+          <p15:clr>
+            <a:srgbClr val="A4A3A4"/>
+          </p15:clr>
+        </p15:guide>
+        <p15:guide id="2" orient="horz" pos="2089">
+          <p15:clr>
+            <a:srgbClr val="A4A3A4"/>
+          </p15:clr>
+        </p15:guide>
+        <p15:guide id="3" orient="horz" pos="3909">
+          <p15:clr>
+            <a:srgbClr val="A4A3A4"/>
+          </p15:clr>
+        </p15:guide>
+        <p15:guide id="4" orient="horz" pos="3400">
+          <p15:clr>
+            <a:srgbClr val="A4A3A4"/>
+          </p15:clr>
+        </p15:guide>
+        <p15:guide id="5" pos="7527">
+          <p15:clr>
+            <a:srgbClr val="A4A3A4"/>
+          </p15:clr>
+        </p15:guide>
+        <p15:guide id="6" pos="5568">
+          <p15:clr>
+            <a:srgbClr val="A4A3A4"/>
+          </p15:clr>
+        </p15:guide>
+      </p15:sldGuideLst>
+    </p:ext>
+  </p:extLst>
 </p:presentation>
 </file>
 
@@ -264,7 +301,7 @@
             <a:fld id="{49951494-414B-43AB-B592-C70E79A546C4}" type="datetime1">
               <a:rPr lang="en-US" altLang="ja-JP"/>
               <a:pPr/>
-              <a:t>2/26/2016</a:t>
+              <a:t>2/28/2016</a:t>
             </a:fld>
             <a:endParaRPr lang="en-US" altLang="ja-JP"/>
           </a:p>
@@ -843,6 +880,176 @@
 </p:notesMaster>
 </file>
 
+<file path=ppt/notesSlides/notesSlide1.xml><?xml version="1.0" encoding="utf-8"?>
+<p:notes xmlns:a="http://schemas.openxmlformats.org/drawingml/2006/main" xmlns:r="http://schemas.openxmlformats.org/officeDocument/2006/relationships" xmlns:p="http://schemas.openxmlformats.org/presentationml/2006/main">
+  <p:cSld>
+    <p:spTree>
+      <p:nvGrpSpPr>
+        <p:cNvPr id="1" name=""/>
+        <p:cNvGrpSpPr/>
+        <p:nvPr/>
+      </p:nvGrpSpPr>
+      <p:grpSpPr>
+        <a:xfrm>
+          <a:off x="0" y="0"/>
+          <a:ext cx="0" cy="0"/>
+          <a:chOff x="0" y="0"/>
+          <a:chExt cx="0" cy="0"/>
+        </a:xfrm>
+      </p:grpSpPr>
+      <p:sp>
+        <p:nvSpPr>
+          <p:cNvPr id="2" name="Espaço Reservado para Imagem de Slide 1"/>
+          <p:cNvSpPr>
+            <a:spLocks noGrp="1" noRot="1" noChangeAspect="1"/>
+          </p:cNvSpPr>
+          <p:nvPr>
+            <p:ph type="sldImg"/>
+          </p:nvPr>
+        </p:nvSpPr>
+        <p:spPr/>
+      </p:sp>
+      <p:sp>
+        <p:nvSpPr>
+          <p:cNvPr id="3" name="Espaço Reservado para Anotações 2"/>
+          <p:cNvSpPr>
+            <a:spLocks noGrp="1"/>
+          </p:cNvSpPr>
+          <p:nvPr>
+            <p:ph type="body" idx="1"/>
+          </p:nvPr>
+        </p:nvSpPr>
+        <p:spPr/>
+        <p:txBody>
+          <a:bodyPr/>
+          <a:lstStyle/>
+          <a:p>
+            <a:endParaRPr lang="pt-BR" dirty="0"/>
+          </a:p>
+        </p:txBody>
+      </p:sp>
+      <p:sp>
+        <p:nvSpPr>
+          <p:cNvPr id="4" name="Espaço Reservado para Número de Slide 3"/>
+          <p:cNvSpPr>
+            <a:spLocks noGrp="1"/>
+          </p:cNvSpPr>
+          <p:nvPr>
+            <p:ph type="sldNum" sz="quarter" idx="10"/>
+          </p:nvPr>
+        </p:nvSpPr>
+        <p:spPr/>
+        <p:txBody>
+          <a:bodyPr/>
+          <a:lstStyle/>
+          <a:p>
+            <a:fld id="{E43D251F-5A08-485A-9C56-AD16E16BF0C5}" type="slidenum">
+              <a:rPr lang="en-US" altLang="ja-JP" smtClean="0"/>
+              <a:pPr/>
+              <a:t>6</a:t>
+            </a:fld>
+            <a:endParaRPr lang="en-US" altLang="ja-JP"/>
+          </a:p>
+        </p:txBody>
+      </p:sp>
+    </p:spTree>
+    <p:extLst>
+      <p:ext uri="{BB962C8B-B14F-4D97-AF65-F5344CB8AC3E}">
+        <p14:creationId xmlns:p14="http://schemas.microsoft.com/office/powerpoint/2010/main" val="3956465778"/>
+      </p:ext>
+    </p:extLst>
+  </p:cSld>
+  <p:clrMapOvr>
+    <a:masterClrMapping/>
+  </p:clrMapOvr>
+</p:notes>
+</file>
+
+<file path=ppt/notesSlides/notesSlide2.xml><?xml version="1.0" encoding="utf-8"?>
+<p:notes xmlns:a="http://schemas.openxmlformats.org/drawingml/2006/main" xmlns:r="http://schemas.openxmlformats.org/officeDocument/2006/relationships" xmlns:p="http://schemas.openxmlformats.org/presentationml/2006/main">
+  <p:cSld>
+    <p:spTree>
+      <p:nvGrpSpPr>
+        <p:cNvPr id="1" name=""/>
+        <p:cNvGrpSpPr/>
+        <p:nvPr/>
+      </p:nvGrpSpPr>
+      <p:grpSpPr>
+        <a:xfrm>
+          <a:off x="0" y="0"/>
+          <a:ext cx="0" cy="0"/>
+          <a:chOff x="0" y="0"/>
+          <a:chExt cx="0" cy="0"/>
+        </a:xfrm>
+      </p:grpSpPr>
+      <p:sp>
+        <p:nvSpPr>
+          <p:cNvPr id="2" name="Espaço Reservado para Imagem de Slide 1"/>
+          <p:cNvSpPr>
+            <a:spLocks noGrp="1" noRot="1" noChangeAspect="1"/>
+          </p:cNvSpPr>
+          <p:nvPr>
+            <p:ph type="sldImg"/>
+          </p:nvPr>
+        </p:nvSpPr>
+        <p:spPr/>
+      </p:sp>
+      <p:sp>
+        <p:nvSpPr>
+          <p:cNvPr id="3" name="Espaço Reservado para Anotações 2"/>
+          <p:cNvSpPr>
+            <a:spLocks noGrp="1"/>
+          </p:cNvSpPr>
+          <p:nvPr>
+            <p:ph type="body" idx="1"/>
+          </p:nvPr>
+        </p:nvSpPr>
+        <p:spPr/>
+        <p:txBody>
+          <a:bodyPr/>
+          <a:lstStyle/>
+          <a:p>
+            <a:endParaRPr lang="pt-BR" dirty="0"/>
+          </a:p>
+        </p:txBody>
+      </p:sp>
+      <p:sp>
+        <p:nvSpPr>
+          <p:cNvPr id="4" name="Espaço Reservado para Número de Slide 3"/>
+          <p:cNvSpPr>
+            <a:spLocks noGrp="1"/>
+          </p:cNvSpPr>
+          <p:nvPr>
+            <p:ph type="sldNum" sz="quarter" idx="10"/>
+          </p:nvPr>
+        </p:nvSpPr>
+        <p:spPr/>
+        <p:txBody>
+          <a:bodyPr/>
+          <a:lstStyle/>
+          <a:p>
+            <a:fld id="{E43D251F-5A08-485A-9C56-AD16E16BF0C5}" type="slidenum">
+              <a:rPr lang="en-US" altLang="ja-JP" smtClean="0"/>
+              <a:pPr/>
+              <a:t>11</a:t>
+            </a:fld>
+            <a:endParaRPr lang="en-US" altLang="ja-JP" dirty="0"/>
+          </a:p>
+        </p:txBody>
+      </p:sp>
+    </p:spTree>
+    <p:extLst>
+      <p:ext uri="{BB962C8B-B14F-4D97-AF65-F5344CB8AC3E}">
+        <p14:creationId xmlns:p14="http://schemas.microsoft.com/office/powerpoint/2010/main" val="1678166552"/>
+      </p:ext>
+    </p:extLst>
+  </p:cSld>
+  <p:clrMapOvr>
+    <a:masterClrMapping/>
+  </p:clrMapOvr>
+</p:notes>
+</file>
+
 <file path=ppt/slideLayouts/slideLayout1.xml><?xml version="1.0" encoding="utf-8"?>
 <p:sldLayout xmlns:a="http://schemas.openxmlformats.org/drawingml/2006/main" xmlns:r="http://schemas.openxmlformats.org/officeDocument/2006/relationships" xmlns:p="http://schemas.openxmlformats.org/presentationml/2006/main" userDrawn="1">
   <p:cSld name="Layout Personalizado">
@@ -1326,7 +1533,7 @@
           <a:p>
             <a:fld id="{295F7449-FB9F-471C-8A3D-66DD5AE15E02}" type="datetimeFigureOut">
               <a:rPr lang="en-US" smtClean="0"/>
-              <a:t>2/26/2016</a:t>
+              <a:t>2/28/2016</a:t>
             </a:fld>
             <a:endParaRPr lang="en-US"/>
           </a:p>
@@ -1884,16 +2091,8 @@
           <a:p>
             <a:pPr algn="ctr"/>
             <a:r>
-              <a:rPr lang="pt-BR" sz="2800" dirty="0" err="1" smtClean="0"/>
-              <a:t>User</a:t>
-            </a:r>
-            <a:r>
               <a:rPr lang="pt-BR" sz="2800" dirty="0" smtClean="0"/>
-              <a:t> </a:t>
-            </a:r>
-            <a:r>
-              <a:rPr lang="pt-BR" sz="2800" dirty="0" err="1" smtClean="0"/>
-              <a:t>Stories</a:t>
+              <a:t>User Stories</a:t>
             </a:r>
             <a:endParaRPr lang="pt-BR" sz="2800" dirty="0"/>
           </a:p>
@@ -1908,14 +2107,14 @@
           <p:nvPr>
             <p:extLst>
               <p:ext uri="{D42A27DB-BD31-4B8C-83A1-F6EECF244321}">
-                <p14:modId xmlns:p14="http://schemas.microsoft.com/office/powerpoint/2010/main" val="191217569"/>
+                <p14:modId xmlns:p14="http://schemas.microsoft.com/office/powerpoint/2010/main" val="3700265829"/>
               </p:ext>
             </p:extLst>
           </p:nvPr>
         </p:nvGraphicFramePr>
         <p:xfrm>
-          <a:off x="2315688" y="1073530"/>
-          <a:ext cx="9749641" cy="5138374"/>
+          <a:off x="2220152" y="970034"/>
+          <a:ext cx="9871764" cy="5546772"/>
         </p:xfrm>
         <a:graphic>
           <a:graphicData uri="http://schemas.openxmlformats.org/drawingml/2006/table">
@@ -1924,11 +2123,11 @@
                 <a:tableStyleId>{BC89EF96-8CEA-46FF-86C4-4CE0E7609802}</a:tableStyleId>
               </a:tblPr>
               <a:tblGrid>
-                <a:gridCol w="950026"/>
-                <a:gridCol w="4669226"/>
-                <a:gridCol w="4130389"/>
+                <a:gridCol w="961926"/>
+                <a:gridCol w="4727712"/>
+                <a:gridCol w="4182126"/>
               </a:tblGrid>
-              <a:tr h="125878">
+              <a:tr h="360988">
                 <a:tc>
                   <a:txBody>
                     <a:bodyPr/>
@@ -1936,7 +2135,7 @@
                     <a:p>
                       <a:pPr algn="ctr"/>
                       <a:r>
-                        <a:rPr lang="pt-BR" dirty="0" err="1" smtClean="0"/>
+                        <a:rPr lang="pt-BR" dirty="0" smtClean="0"/>
                         <a:t>Priority</a:t>
                       </a:r>
                       <a:endParaRPr lang="en-US" dirty="0"/>
@@ -1955,7 +2154,7 @@
                     <a:p>
                       <a:pPr algn="ctr"/>
                       <a:r>
-                        <a:rPr lang="pt-BR" dirty="0" err="1" smtClean="0"/>
+                        <a:rPr lang="pt-BR" dirty="0" smtClean="0"/>
                         <a:t>Narrative</a:t>
                       </a:r>
                       <a:endParaRPr lang="en-US" dirty="0"/>
@@ -1974,16 +2173,8 @@
                     <a:p>
                       <a:pPr algn="ctr"/>
                       <a:r>
-                        <a:rPr lang="pt-BR" dirty="0" err="1" smtClean="0"/>
-                        <a:t>Acceptance</a:t>
-                      </a:r>
-                      <a:r>
                         <a:rPr lang="pt-BR" dirty="0" smtClean="0"/>
-                        <a:t> </a:t>
-                      </a:r>
-                      <a:r>
-                        <a:rPr lang="pt-BR" dirty="0" err="1" smtClean="0"/>
-                        <a:t>Criteria</a:t>
+                        <a:t>Acceptance Criteria</a:t>
                       </a:r>
                       <a:endParaRPr lang="en-US" dirty="0"/>
                     </a:p>
@@ -1995,7 +2186,7 @@
                   </a:tcPr>
                 </a:tc>
               </a:tr>
-              <a:tr h="505414">
+              <a:tr h="1052881">
                 <a:tc>
                   <a:txBody>
                     <a:bodyPr/>
@@ -2075,7 +2266,7 @@
                   <a:tcPr/>
                 </a:tc>
               </a:tr>
-              <a:tr h="505414">
+              <a:tr h="913812">
                 <a:tc>
                   <a:txBody>
                     <a:bodyPr/>
@@ -2126,55 +2317,7 @@
                           <a:ea typeface="+mn-ea"/>
                           <a:cs typeface="+mn-cs"/>
                         </a:rPr>
-                        <a:t>uero cadastrar, editar, as produções feita diariamente, para manter o controle da produção em dia e</a:t>
-                      </a:r>
-                      <a:r>
-                        <a:rPr lang="pt-BR" sz="1600" b="0" i="0" kern="1200" baseline="0" dirty="0" smtClean="0">
-                          <a:solidFill>
-                            <a:schemeClr val="tx1"/>
-                          </a:solidFill>
-                          <a:effectLst/>
-                          <a:latin typeface="+mn-lt"/>
-                          <a:ea typeface="+mn-ea"/>
-                          <a:cs typeface="+mn-cs"/>
-                        </a:rPr>
-                        <a:t> disponibilizar os </a:t>
-                      </a:r>
-                      <a:r>
-                        <a:rPr lang="pt-BR" sz="1600" b="0" i="0" kern="1200" dirty="0" smtClean="0">
-                          <a:solidFill>
-                            <a:schemeClr val="tx1"/>
-                          </a:solidFill>
-                          <a:effectLst/>
-                          <a:latin typeface="+mn-lt"/>
-                          <a:ea typeface="+mn-ea"/>
-                          <a:cs typeface="+mn-cs"/>
-                        </a:rPr>
-                        <a:t>produtos para serem</a:t>
-                      </a:r>
-                      <a:r>
-                        <a:rPr lang="pt-BR" sz="1600" b="0" i="0" kern="1200" baseline="0" dirty="0" smtClean="0">
-                          <a:solidFill>
-                            <a:schemeClr val="tx1"/>
-                          </a:solidFill>
-                          <a:effectLst/>
-                          <a:latin typeface="+mn-lt"/>
-                          <a:ea typeface="+mn-ea"/>
-                          <a:cs typeface="+mn-cs"/>
-                        </a:rPr>
-                        <a:t> </a:t>
-                      </a:r>
-                      <a:r>
-                        <a:rPr lang="pt-BR" sz="1600" b="0" i="0" kern="1200" dirty="0" smtClean="0">
-                          <a:solidFill>
-                            <a:schemeClr val="tx1"/>
-                          </a:solidFill>
-                          <a:effectLst/>
-                          <a:latin typeface="+mn-lt"/>
-                          <a:ea typeface="+mn-ea"/>
-                          <a:cs typeface="+mn-cs"/>
-                        </a:rPr>
-                        <a:t>vendidos.</a:t>
+                        <a:t>uero cadastrar, editar, as produções feita diariamente, para manter o controle da produção em dia.</a:t>
                       </a:r>
                       <a:endParaRPr lang="en-US" sz="1600" b="0" dirty="0"/>
                     </a:p>
@@ -2200,7 +2343,7 @@
                   <a:tcPr/>
                 </a:tc>
               </a:tr>
-              <a:tr h="505414">
+              <a:tr h="1052881">
                 <a:tc>
                   <a:txBody>
                     <a:bodyPr/>
@@ -2261,7 +2404,7 @@
                   <a:tcPr/>
                 </a:tc>
               </a:tr>
-              <a:tr h="505414">
+              <a:tr h="1052881">
                 <a:tc>
                   <a:txBody>
                     <a:bodyPr/>
@@ -2330,13 +2473,43 @@
                   <a:tcPr/>
                 </a:tc>
               </a:tr>
-              <a:tr h="505414">
-                <a:tc>
-                  <a:txBody>
-                    <a:bodyPr/>
-                    <a:lstStyle/>
-                    <a:p>
-                      <a:endParaRPr lang="en-US" dirty="0"/>
+              <a:tr h="1021515">
+                <a:tc>
+                  <a:txBody>
+                    <a:bodyPr/>
+                    <a:lstStyle/>
+                    <a:p>
+                      <a:r>
+                        <a:rPr kumimoji="0" lang="en-US" sz="1600" b="0" i="0" u="none" strike="noStrike" kern="1200" cap="none" spc="0" normalizeH="0" baseline="0" dirty="0" smtClean="0">
+                          <a:ln>
+                            <a:noFill/>
+                          </a:ln>
+                          <a:solidFill>
+                            <a:prstClr val="black"/>
+                          </a:solidFill>
+                          <a:effectLst/>
+                          <a:uLnTx/>
+                          <a:uFillTx/>
+                          <a:latin typeface="+mn-lt"/>
+                          <a:ea typeface="+mn-ea"/>
+                          <a:cs typeface="+mn-cs"/>
+                        </a:rPr>
+                        <a:t>5</a:t>
+                      </a:r>
+                      <a:endParaRPr kumimoji="0" lang="en-US" sz="1600" b="0" i="0" u="none" strike="noStrike" kern="1200" cap="none" spc="0" normalizeH="0" baseline="0" dirty="0">
+                        <a:ln>
+                          <a:noFill/>
+                        </a:ln>
+                        <a:solidFill>
+                          <a:prstClr val="black"/>
+                        </a:solidFill>
+                        <a:effectLst/>
+                        <a:uLnTx/>
+                        <a:uFillTx/>
+                        <a:latin typeface="+mn-lt"/>
+                        <a:ea typeface="+mn-ea"/>
+                        <a:cs typeface="+mn-cs"/>
+                      </a:endParaRPr>
                     </a:p>
                   </a:txBody>
                   <a:tcPr/>
@@ -2346,7 +2519,207 @@
                     <a:bodyPr/>
                     <a:lstStyle/>
                     <a:p>
-                      <a:endParaRPr lang="en-US" dirty="0"/>
+                      <a:r>
+                        <a:rPr kumimoji="0" lang="en-US" sz="1600" b="0" i="0" u="none" strike="noStrike" kern="1200" cap="none" spc="0" normalizeH="0" baseline="0" dirty="0" smtClean="0">
+                          <a:ln>
+                            <a:noFill/>
+                          </a:ln>
+                          <a:solidFill>
+                            <a:prstClr val="black"/>
+                          </a:solidFill>
+                          <a:effectLst/>
+                          <a:uLnTx/>
+                          <a:uFillTx/>
+                          <a:latin typeface="+mn-lt"/>
+                          <a:ea typeface="+mn-ea"/>
+                          <a:cs typeface="+mn-cs"/>
+                        </a:rPr>
+                        <a:t>Como </a:t>
+                      </a:r>
+                      <a:r>
+                        <a:rPr kumimoji="0" lang="pt-BR" sz="1600" b="0" i="0" u="none" strike="noStrike" kern="1200" cap="none" spc="0" normalizeH="0" baseline="0" noProof="0" dirty="0" smtClean="0">
+                          <a:ln>
+                            <a:noFill/>
+                          </a:ln>
+                          <a:solidFill>
+                            <a:prstClr val="black"/>
+                          </a:solidFill>
+                          <a:effectLst/>
+                          <a:uLnTx/>
+                          <a:uFillTx/>
+                          <a:latin typeface="+mn-lt"/>
+                          <a:ea typeface="+mn-ea"/>
+                          <a:cs typeface="+mn-cs"/>
+                        </a:rPr>
+                        <a:t>ajudante</a:t>
+                      </a:r>
+                      <a:r>
+                        <a:rPr kumimoji="0" lang="en-US" sz="1600" b="0" i="0" u="none" strike="noStrike" kern="1200" cap="none" spc="0" normalizeH="0" baseline="0" dirty="0" smtClean="0">
+                          <a:ln>
+                            <a:noFill/>
+                          </a:ln>
+                          <a:solidFill>
+                            <a:prstClr val="black"/>
+                          </a:solidFill>
+                          <a:effectLst/>
+                          <a:uLnTx/>
+                          <a:uFillTx/>
+                          <a:latin typeface="+mn-lt"/>
+                          <a:ea typeface="+mn-ea"/>
+                          <a:cs typeface="+mn-cs"/>
+                        </a:rPr>
+                        <a:t> de padeiro, padeiro e confeiteiro, quero confirmar a produção </a:t>
+                      </a:r>
+                      <a:r>
+                        <a:rPr kumimoji="0" lang="pt-BR" sz="1600" b="0" i="0" u="none" strike="noStrike" kern="1200" cap="none" spc="0" normalizeH="0" baseline="0" noProof="0" dirty="0" smtClean="0">
+                          <a:ln>
+                            <a:noFill/>
+                          </a:ln>
+                          <a:solidFill>
+                            <a:prstClr val="black"/>
+                          </a:solidFill>
+                          <a:effectLst/>
+                          <a:uLnTx/>
+                          <a:uFillTx/>
+                          <a:latin typeface="+mn-lt"/>
+                          <a:ea typeface="+mn-ea"/>
+                          <a:cs typeface="+mn-cs"/>
+                        </a:rPr>
+                        <a:t>diária</a:t>
+                      </a:r>
+                      <a:r>
+                        <a:rPr kumimoji="0" lang="en-US" sz="1600" b="0" i="0" u="none" strike="noStrike" kern="1200" cap="none" spc="0" normalizeH="0" baseline="0" dirty="0" smtClean="0">
+                          <a:ln>
+                            <a:noFill/>
+                          </a:ln>
+                          <a:solidFill>
+                            <a:prstClr val="black"/>
+                          </a:solidFill>
+                          <a:effectLst/>
+                          <a:uLnTx/>
+                          <a:uFillTx/>
+                          <a:latin typeface="+mn-lt"/>
+                          <a:ea typeface="+mn-ea"/>
+                          <a:cs typeface="+mn-cs"/>
+                        </a:rPr>
+                        <a:t> </a:t>
+                      </a:r>
+                      <a:r>
+                        <a:rPr kumimoji="0" lang="en-US" sz="1600" b="0" i="0" u="none" strike="noStrike" kern="1200" cap="none" spc="0" normalizeH="0" baseline="0" dirty="0" smtClean="0">
+                          <a:ln>
+                            <a:noFill/>
+                          </a:ln>
+                          <a:solidFill>
+                            <a:prstClr val="black"/>
+                          </a:solidFill>
+                          <a:effectLst/>
+                          <a:uLnTx/>
+                          <a:uFillTx/>
+                          <a:latin typeface="+mn-lt"/>
+                          <a:ea typeface="+mn-ea"/>
+                          <a:cs typeface="+mn-cs"/>
+                        </a:rPr>
+                        <a:t>com os </a:t>
+                      </a:r>
+                      <a:r>
+                        <a:rPr kumimoji="0" lang="pt-BR" sz="1600" b="0" i="0" u="none" strike="noStrike" kern="1200" cap="none" spc="0" normalizeH="0" baseline="0" noProof="0" dirty="0" smtClean="0">
+                          <a:ln>
+                            <a:noFill/>
+                          </a:ln>
+                          <a:solidFill>
+                            <a:prstClr val="black"/>
+                          </a:solidFill>
+                          <a:effectLst/>
+                          <a:uLnTx/>
+                          <a:uFillTx/>
+                          <a:latin typeface="+mn-lt"/>
+                          <a:ea typeface="+mn-ea"/>
+                          <a:cs typeface="+mn-cs"/>
+                        </a:rPr>
+                        <a:t>produtos</a:t>
+                      </a:r>
+                      <a:r>
+                        <a:rPr kumimoji="0" lang="en-US" sz="1600" b="0" i="0" u="none" strike="noStrike" kern="1200" cap="none" spc="0" normalizeH="0" baseline="0" dirty="0" smtClean="0">
+                          <a:ln>
+                            <a:noFill/>
+                          </a:ln>
+                          <a:solidFill>
+                            <a:prstClr val="black"/>
+                          </a:solidFill>
+                          <a:effectLst/>
+                          <a:uLnTx/>
+                          <a:uFillTx/>
+                          <a:latin typeface="+mn-lt"/>
+                          <a:ea typeface="+mn-ea"/>
+                          <a:cs typeface="+mn-cs"/>
+                        </a:rPr>
+                        <a:t> </a:t>
+                      </a:r>
+                      <a:r>
+                        <a:rPr kumimoji="0" lang="en-US" sz="1600" b="0" i="0" u="none" strike="noStrike" kern="1200" cap="none" spc="0" normalizeH="0" baseline="0" dirty="0" smtClean="0">
+                          <a:ln>
+                            <a:noFill/>
+                          </a:ln>
+                          <a:solidFill>
+                            <a:prstClr val="black"/>
+                          </a:solidFill>
+                          <a:effectLst/>
+                          <a:uLnTx/>
+                          <a:uFillTx/>
+                          <a:latin typeface="+mn-lt"/>
+                          <a:ea typeface="+mn-ea"/>
+                          <a:cs typeface="+mn-cs"/>
+                        </a:rPr>
+                        <a:t>que </a:t>
+                      </a:r>
+                      <a:r>
+                        <a:rPr kumimoji="0" lang="pt-BR" sz="1600" b="0" i="0" u="none" strike="noStrike" kern="1200" cap="none" spc="0" normalizeH="0" baseline="0" noProof="0" dirty="0" smtClean="0">
+                          <a:ln>
+                            <a:noFill/>
+                          </a:ln>
+                          <a:solidFill>
+                            <a:prstClr val="black"/>
+                          </a:solidFill>
+                          <a:effectLst/>
+                          <a:uLnTx/>
+                          <a:uFillTx/>
+                          <a:latin typeface="+mn-lt"/>
+                          <a:ea typeface="+mn-ea"/>
+                          <a:cs typeface="+mn-cs"/>
+                        </a:rPr>
+                        <a:t>foram</a:t>
+                      </a:r>
+                      <a:r>
+                        <a:rPr kumimoji="0" lang="en-US" sz="1600" b="0" i="0" u="none" strike="noStrike" kern="1200" cap="none" spc="0" normalizeH="0" baseline="0" dirty="0" smtClean="0">
+                          <a:ln>
+                            <a:noFill/>
+                          </a:ln>
+                          <a:solidFill>
+                            <a:prstClr val="black"/>
+                          </a:solidFill>
+                          <a:effectLst/>
+                          <a:uLnTx/>
+                          <a:uFillTx/>
+                          <a:latin typeface="+mn-lt"/>
+                          <a:ea typeface="+mn-ea"/>
+                          <a:cs typeface="+mn-cs"/>
+                        </a:rPr>
+                        <a:t> feitos, apos o  ultimo processo que é assar.</a:t>
+                      </a:r>
+                      <a:endParaRPr kumimoji="0" lang="en-US" sz="1600" b="0" i="0" u="none" strike="noStrike" kern="1200" cap="none" spc="0" normalizeH="0" baseline="0" dirty="0">
+                        <a:ln>
+                          <a:noFill/>
+                        </a:ln>
+                        <a:solidFill>
+                          <a:prstClr val="black"/>
+                        </a:solidFill>
+                        <a:effectLst/>
+                        <a:uLnTx/>
+                        <a:uFillTx/>
+                        <a:latin typeface="+mn-lt"/>
+                        <a:ea typeface="+mn-ea"/>
+                        <a:cs typeface="+mn-cs"/>
+                      </a:endParaRPr>
                     </a:p>
                   </a:txBody>
                   <a:tcPr/>
@@ -2356,7 +2729,79 @@
                     <a:bodyPr/>
                     <a:lstStyle/>
                     <a:p>
-                      <a:endParaRPr lang="en-US" dirty="0"/>
+                      <a:pPr marL="342900" indent="-342900">
+                        <a:buAutoNum type="arabicPeriod"/>
+                      </a:pPr>
+                      <a:r>
+                        <a:rPr kumimoji="0" lang="en-US" sz="1600" b="0" i="0" u="none" strike="noStrike" kern="1200" cap="none" spc="0" normalizeH="0" baseline="0" dirty="0" smtClean="0">
+                          <a:ln>
+                            <a:noFill/>
+                          </a:ln>
+                          <a:solidFill>
+                            <a:prstClr val="black"/>
+                          </a:solidFill>
+                          <a:effectLst/>
+                          <a:uLnTx/>
+                          <a:uFillTx/>
+                          <a:latin typeface="+mn-lt"/>
+                          <a:ea typeface="+mn-ea"/>
+                          <a:cs typeface="+mn-cs"/>
+                        </a:rPr>
+                        <a:t>Posso atualizar a produção feita e concluir o produto como produzido.</a:t>
+                      </a:r>
+                    </a:p>
+                    <a:p>
+                      <a:pPr marL="342900" indent="-342900">
+                        <a:buAutoNum type="arabicPeriod"/>
+                      </a:pPr>
+                      <a:r>
+                        <a:rPr kumimoji="0" lang="en-US" sz="1600" b="0" i="0" u="none" strike="noStrike" kern="1200" cap="none" spc="0" normalizeH="0" baseline="0" dirty="0" smtClean="0">
+                          <a:ln>
+                            <a:noFill/>
+                          </a:ln>
+                          <a:solidFill>
+                            <a:prstClr val="black"/>
+                          </a:solidFill>
+                          <a:effectLst/>
+                          <a:uLnTx/>
+                          <a:uFillTx/>
+                          <a:latin typeface="+mn-lt"/>
+                          <a:ea typeface="+mn-ea"/>
+                          <a:cs typeface="+mn-cs"/>
+                        </a:rPr>
+                        <a:t>Posso visualizar o produto como </a:t>
+                      </a:r>
+                      <a:r>
+                        <a:rPr kumimoji="0" lang="en-US" sz="1600" b="0" i="0" u="none" strike="noStrike" kern="1200" cap="none" spc="0" normalizeH="0" baseline="0" dirty="0" smtClean="0">
+                          <a:ln>
+                            <a:noFill/>
+                          </a:ln>
+                          <a:solidFill>
+                            <a:prstClr val="black"/>
+                          </a:solidFill>
+                          <a:effectLst/>
+                          <a:uLnTx/>
+                          <a:uFillTx/>
+                          <a:latin typeface="+mn-lt"/>
+                          <a:ea typeface="+mn-ea"/>
+                          <a:cs typeface="+mn-cs"/>
+                        </a:rPr>
+                        <a:t>pronto e disponivel para a venda.</a:t>
+                      </a:r>
+                      <a:endParaRPr kumimoji="0" lang="en-US" sz="1600" b="0" i="0" u="none" strike="noStrike" kern="1200" cap="none" spc="0" normalizeH="0" baseline="0" dirty="0">
+                        <a:ln>
+                          <a:noFill/>
+                        </a:ln>
+                        <a:solidFill>
+                          <a:prstClr val="black"/>
+                        </a:solidFill>
+                        <a:effectLst/>
+                        <a:uLnTx/>
+                        <a:uFillTx/>
+                        <a:latin typeface="+mn-lt"/>
+                        <a:ea typeface="+mn-ea"/>
+                        <a:cs typeface="+mn-cs"/>
+                      </a:endParaRPr>
                     </a:p>
                   </a:txBody>
                   <a:tcPr/>
@@ -2389,7 +2834,7 @@
             <p:nvPr/>
           </p:nvPicPr>
           <p:blipFill rotWithShape="1">
-            <a:blip r:embed="rId2" cstate="print">
+            <a:blip r:embed="rId3" cstate="print">
               <a:clrChange>
                 <a:clrFrom>
                   <a:srgbClr val="FFFFFF"/>
@@ -2473,7 +2918,7 @@
                 <a:t> </a:t>
               </a:r>
               <a:r>
-                <a:rPr lang="en-US" dirty="0" err="1">
+                <a:rPr lang="en-US" dirty="0">
                   <a:latin typeface="Monotype Corsiva" panose="03010101010201010101" pitchFamily="66" charset="0"/>
                 </a:rPr>
                 <a:t>i</a:t>
@@ -2598,7 +3043,7 @@
           <a:p>
             <a:r>
               <a:rPr lang="pt-BR" sz="1400" dirty="0" smtClean="0"/>
-              <a:t>Reginaldo Costa</a:t>
+              <a:t>Reginaldo Castro</a:t>
             </a:r>
             <a:endParaRPr lang="pt-BR" sz="1400" dirty="0"/>
           </a:p>
@@ -2625,6 +3070,457 @@
 </file>
 
 <file path=ppt/slides/slide12.xml><?xml version="1.0" encoding="utf-8"?>
+<p:sld xmlns:a="http://schemas.openxmlformats.org/drawingml/2006/main" xmlns:r="http://schemas.openxmlformats.org/officeDocument/2006/relationships" xmlns:p="http://schemas.openxmlformats.org/presentationml/2006/main">
+  <p:cSld>
+    <p:spTree>
+      <p:nvGrpSpPr>
+        <p:cNvPr id="1" name=""/>
+        <p:cNvGrpSpPr/>
+        <p:nvPr/>
+      </p:nvGrpSpPr>
+      <p:grpSpPr>
+        <a:xfrm>
+          <a:off x="0" y="0"/>
+          <a:ext cx="0" cy="0"/>
+          <a:chOff x="0" y="0"/>
+          <a:chExt cx="0" cy="0"/>
+        </a:xfrm>
+      </p:grpSpPr>
+      <p:graphicFrame>
+        <p:nvGraphicFramePr>
+          <p:cNvPr id="2" name="Tabela 1"/>
+          <p:cNvGraphicFramePr>
+            <a:graphicFrameLocks noGrp="1"/>
+          </p:cNvGraphicFramePr>
+          <p:nvPr>
+            <p:extLst>
+              <p:ext uri="{D42A27DB-BD31-4B8C-83A1-F6EECF244321}">
+                <p14:modId xmlns:p14="http://schemas.microsoft.com/office/powerpoint/2010/main" val="2834071660"/>
+              </p:ext>
+            </p:extLst>
+          </p:nvPr>
+        </p:nvGraphicFramePr>
+        <p:xfrm>
+          <a:off x="2220152" y="970034"/>
+          <a:ext cx="9871764" cy="1920240"/>
+        </p:xfrm>
+        <a:graphic>
+          <a:graphicData uri="http://schemas.openxmlformats.org/drawingml/2006/table">
+            <a:tbl>
+              <a:tblPr firstCol="1" lastCol="1">
+                <a:tableStyleId>{BC89EF96-8CEA-46FF-86C4-4CE0E7609802}</a:tableStyleId>
+              </a:tblPr>
+              <a:tblGrid>
+                <a:gridCol w="961926"/>
+                <a:gridCol w="4727712"/>
+                <a:gridCol w="4182126"/>
+              </a:tblGrid>
+              <a:tr h="360988">
+                <a:tc>
+                  <a:txBody>
+                    <a:bodyPr/>
+                    <a:lstStyle/>
+                    <a:p>
+                      <a:pPr algn="ctr"/>
+                      <a:r>
+                        <a:rPr lang="pt-BR" dirty="0" smtClean="0"/>
+                        <a:t>Priority</a:t>
+                      </a:r>
+                      <a:endParaRPr lang="en-US" dirty="0"/>
+                    </a:p>
+                  </a:txBody>
+                  <a:tcPr>
+                    <a:solidFill>
+                      <a:srgbClr val="0099FF"/>
+                    </a:solidFill>
+                  </a:tcPr>
+                </a:tc>
+                <a:tc>
+                  <a:txBody>
+                    <a:bodyPr/>
+                    <a:lstStyle/>
+                    <a:p>
+                      <a:pPr algn="ctr"/>
+                      <a:r>
+                        <a:rPr lang="pt-BR" dirty="0" smtClean="0"/>
+                        <a:t>Narrative</a:t>
+                      </a:r>
+                      <a:endParaRPr lang="en-US" dirty="0"/>
+                    </a:p>
+                  </a:txBody>
+                  <a:tcPr>
+                    <a:solidFill>
+                      <a:srgbClr val="0099FF"/>
+                    </a:solidFill>
+                  </a:tcPr>
+                </a:tc>
+                <a:tc>
+                  <a:txBody>
+                    <a:bodyPr/>
+                    <a:lstStyle/>
+                    <a:p>
+                      <a:pPr algn="ctr"/>
+                      <a:r>
+                        <a:rPr lang="pt-BR" dirty="0" smtClean="0"/>
+                        <a:t>Acceptance Criteria</a:t>
+                      </a:r>
+                      <a:endParaRPr lang="en-US" dirty="0"/>
+                    </a:p>
+                  </a:txBody>
+                  <a:tcPr>
+                    <a:solidFill>
+                      <a:srgbClr val="0099FF"/>
+                    </a:solidFill>
+                  </a:tcPr>
+                </a:tc>
+              </a:tr>
+              <a:tr h="1052881">
+                <a:tc>
+                  <a:txBody>
+                    <a:bodyPr/>
+                    <a:lstStyle/>
+                    <a:p>
+                      <a:r>
+                        <a:rPr lang="pt-BR" sz="1600" b="0" dirty="0" smtClean="0"/>
+                        <a:t>6</a:t>
+                      </a:r>
+                      <a:endParaRPr lang="en-US" sz="1600" b="0" dirty="0"/>
+                    </a:p>
+                  </a:txBody>
+                  <a:tcPr/>
+                </a:tc>
+                <a:tc>
+                  <a:txBody>
+                    <a:bodyPr/>
+                    <a:lstStyle/>
+                    <a:p>
+                      <a:pPr algn="just"/>
+                      <a:r>
+                        <a:rPr lang="pt-BR" sz="1600" b="0" dirty="0" smtClean="0"/>
+                        <a:t>Como</a:t>
+                      </a:r>
+                      <a:r>
+                        <a:rPr lang="pt-BR" sz="1600" b="0" baseline="0" dirty="0" smtClean="0"/>
+                        <a:t> todos os funcionários</a:t>
+                      </a:r>
+                      <a:r>
+                        <a:rPr lang="pt-BR" sz="1600" b="0" dirty="0" smtClean="0"/>
+                        <a:t>,	</a:t>
+                      </a:r>
+                    </a:p>
+                    <a:p>
+                      <a:pPr algn="just"/>
+                      <a:r>
+                        <a:rPr lang="pt-BR" sz="1600" b="0" dirty="0" smtClean="0"/>
+                        <a:t>Eu quero acompanhar a produção que esta disponível para a venda, </a:t>
+                      </a:r>
+                    </a:p>
+                    <a:p>
+                      <a:pPr algn="just"/>
+                      <a:endParaRPr lang="en-US" sz="1600" b="0" dirty="0"/>
+                    </a:p>
+                  </a:txBody>
+                  <a:tcPr/>
+                </a:tc>
+                <a:tc>
+                  <a:txBody>
+                    <a:bodyPr/>
+                    <a:lstStyle/>
+                    <a:p>
+                      <a:pPr marL="342900" indent="-342900">
+                        <a:buAutoNum type="arabicPeriod"/>
+                      </a:pPr>
+                      <a:r>
+                        <a:rPr lang="pt-BR" sz="1600" b="0" dirty="0" smtClean="0"/>
+                        <a:t>Posso acompanhar os produtos</a:t>
+                      </a:r>
+                      <a:r>
+                        <a:rPr lang="pt-BR" sz="1600" b="0" baseline="0" dirty="0" smtClean="0"/>
+                        <a:t> que estão prontos para que possa estar no status de venda, para por no balcão.</a:t>
+                      </a:r>
+                      <a:endParaRPr lang="pt-BR" sz="1600" b="0" dirty="0" smtClean="0"/>
+                    </a:p>
+                    <a:p>
+                      <a:pPr marL="342900" indent="-342900">
+                        <a:buAutoNum type="arabicPeriod"/>
+                      </a:pPr>
+                      <a:r>
+                        <a:rPr lang="pt-BR" sz="1600" b="0" dirty="0" smtClean="0"/>
+                        <a:t>Posso acompanhar com base em palavra do titulo os produtos que estarão</a:t>
+                      </a:r>
+                      <a:r>
+                        <a:rPr lang="pt-BR" sz="1600" b="0" baseline="0" dirty="0" smtClean="0"/>
+                        <a:t> prontos para por na venda</a:t>
+                      </a:r>
+                      <a:endParaRPr lang="en-US" sz="1600" b="0" dirty="0"/>
+                    </a:p>
+                  </a:txBody>
+                  <a:tcPr/>
+                </a:tc>
+              </a:tr>
+            </a:tbl>
+          </a:graphicData>
+        </a:graphic>
+      </p:graphicFrame>
+      <p:grpSp>
+        <p:nvGrpSpPr>
+          <p:cNvPr id="3" name="Grupo 2"/>
+          <p:cNvGrpSpPr/>
+          <p:nvPr/>
+        </p:nvGrpSpPr>
+        <p:grpSpPr>
+          <a:xfrm>
+            <a:off x="162227" y="1030481"/>
+            <a:ext cx="2153461" cy="3078381"/>
+            <a:chOff x="162227" y="1030481"/>
+            <a:chExt cx="2153461" cy="3078381"/>
+          </a:xfrm>
+        </p:grpSpPr>
+        <p:pic>
+          <p:nvPicPr>
+            <p:cNvPr id="4" name="Picture 5" descr="C:\Users\FREDSO~1\AppData\Local\Temp\Rar$DI78.608\preview.jpg"/>
+            <p:cNvPicPr>
+              <a:picLocks noChangeAspect="1" noChangeArrowheads="1"/>
+            </p:cNvPicPr>
+            <p:nvPr/>
+          </p:nvPicPr>
+          <p:blipFill rotWithShape="1">
+            <a:blip r:embed="rId2" cstate="print">
+              <a:clrChange>
+                <a:clrFrom>
+                  <a:srgbClr val="FFFFFF"/>
+                </a:clrFrom>
+                <a:clrTo>
+                  <a:srgbClr val="FFFFFF">
+                    <a:alpha val="0"/>
+                  </a:srgbClr>
+                </a:clrTo>
+              </a:clrChange>
+              <a:extLst>
+                <a:ext uri="{28A0092B-C50C-407E-A947-70E740481C1C}">
+                  <a14:useLocalDpi xmlns:a14="http://schemas.microsoft.com/office/drawing/2010/main" val="0"/>
+                </a:ext>
+              </a:extLst>
+            </a:blip>
+            <a:srcRect l="5913" t="18875" r="53221" b="18961"/>
+            <a:stretch/>
+          </p:blipFill>
+          <p:spPr bwMode="auto">
+            <a:xfrm>
+              <a:off x="162227" y="1030481"/>
+              <a:ext cx="2023672" cy="3078381"/>
+            </a:xfrm>
+            <a:prstGeom prst="rect">
+              <a:avLst/>
+            </a:prstGeom>
+            <a:noFill/>
+            <a:extLst>
+              <a:ext uri="{909E8E84-426E-40DD-AFC4-6F175D3DCCD1}">
+                <a14:hiddenFill xmlns:a14="http://schemas.microsoft.com/office/drawing/2010/main">
+                  <a:solidFill>
+                    <a:srgbClr val="FFFFFF"/>
+                  </a:solidFill>
+                </a14:hiddenFill>
+              </a:ext>
+            </a:extLst>
+          </p:spPr>
+        </p:pic>
+        <p:sp>
+          <p:nvSpPr>
+            <p:cNvPr id="5" name="CaixaDeTexto 4"/>
+            <p:cNvSpPr txBox="1"/>
+            <p:nvPr/>
+          </p:nvSpPr>
+          <p:spPr>
+            <a:xfrm>
+              <a:off x="470977" y="1738560"/>
+              <a:ext cx="1844711" cy="1200329"/>
+            </a:xfrm>
+            <a:prstGeom prst="rect">
+              <a:avLst/>
+            </a:prstGeom>
+            <a:noFill/>
+          </p:spPr>
+          <p:txBody>
+            <a:bodyPr wrap="square" rtlCol="0">
+              <a:spAutoFit/>
+            </a:bodyPr>
+            <a:lstStyle/>
+            <a:p>
+              <a:r>
+                <a:rPr lang="en-US" dirty="0">
+                  <a:latin typeface="Monotype Corsiva" panose="03010101010201010101" pitchFamily="66" charset="0"/>
+                </a:rPr>
+                <a:t>as </a:t>
+              </a:r>
+              <a:r>
+                <a:rPr lang="en-US" b="1" dirty="0">
+                  <a:solidFill>
+                    <a:srgbClr val="3505E5"/>
+                  </a:solidFill>
+                  <a:latin typeface="Monotype Corsiva" panose="03010101010201010101" pitchFamily="66" charset="0"/>
+                </a:rPr>
+                <a:t>who</a:t>
+              </a:r>
+              <a:r>
+                <a:rPr lang="en-US" dirty="0">
+                  <a:latin typeface="Monotype Corsiva" panose="03010101010201010101" pitchFamily="66" charset="0"/>
+                </a:rPr>
+                <a:t> </a:t>
+              </a:r>
+              <a:r>
+                <a:rPr lang="en-US" dirty="0" err="1">
+                  <a:latin typeface="Monotype Corsiva" panose="03010101010201010101" pitchFamily="66" charset="0"/>
+                </a:rPr>
+                <a:t>i</a:t>
+              </a:r>
+              <a:r>
+                <a:rPr lang="en-US" dirty="0">
+                  <a:latin typeface="Monotype Corsiva" panose="03010101010201010101" pitchFamily="66" charset="0"/>
+                </a:rPr>
+                <a:t> want</a:t>
+              </a:r>
+            </a:p>
+            <a:p>
+              <a:r>
+                <a:rPr lang="en-US" b="1" dirty="0">
+                  <a:solidFill>
+                    <a:srgbClr val="3505E5"/>
+                  </a:solidFill>
+                  <a:latin typeface="Monotype Corsiva" panose="03010101010201010101" pitchFamily="66" charset="0"/>
+                </a:rPr>
+                <a:t>what</a:t>
+              </a:r>
+              <a:r>
+                <a:rPr lang="en-US" dirty="0">
+                  <a:latin typeface="Monotype Corsiva" panose="03010101010201010101" pitchFamily="66" charset="0"/>
+                </a:rPr>
+                <a:t> so that</a:t>
+              </a:r>
+            </a:p>
+            <a:p>
+              <a:r>
+                <a:rPr lang="en-US" b="1" dirty="0">
+                  <a:solidFill>
+                    <a:srgbClr val="3505E5"/>
+                  </a:solidFill>
+                  <a:latin typeface="Monotype Corsiva" panose="03010101010201010101" pitchFamily="66" charset="0"/>
+                </a:rPr>
+                <a:t>why</a:t>
+              </a:r>
+            </a:p>
+          </p:txBody>
+        </p:sp>
+        <p:sp>
+          <p:nvSpPr>
+            <p:cNvPr id="6" name="Retângulo 5"/>
+            <p:cNvSpPr/>
+            <p:nvPr/>
+          </p:nvSpPr>
+          <p:spPr>
+            <a:xfrm>
+              <a:off x="523353" y="2965149"/>
+              <a:ext cx="1662546" cy="830997"/>
+            </a:xfrm>
+            <a:prstGeom prst="rect">
+              <a:avLst/>
+            </a:prstGeom>
+          </p:spPr>
+          <p:txBody>
+            <a:bodyPr wrap="square">
+              <a:spAutoFit/>
+            </a:bodyPr>
+            <a:lstStyle/>
+            <a:p>
+              <a:r>
+                <a:rPr lang="pt-BR" sz="1600" dirty="0">
+                  <a:latin typeface="Monotype Corsiva" panose="03010101010201010101" pitchFamily="66" charset="0"/>
+                </a:rPr>
+                <a:t>como que eu quero</a:t>
+              </a:r>
+            </a:p>
+            <a:p>
+              <a:r>
+                <a:rPr lang="pt-BR" sz="1600" dirty="0">
+                  <a:latin typeface="Monotype Corsiva" panose="03010101010201010101" pitchFamily="66" charset="0"/>
+                </a:rPr>
+                <a:t>o modo </a:t>
+              </a:r>
+              <a:r>
+                <a:rPr lang="pt-BR" sz="1600" dirty="0" smtClean="0">
+                  <a:latin typeface="Monotype Corsiva" panose="03010101010201010101" pitchFamily="66" charset="0"/>
+                </a:rPr>
+                <a:t>que </a:t>
+              </a:r>
+              <a:endParaRPr lang="pt-BR" sz="1600" dirty="0">
+                <a:latin typeface="Monotype Corsiva" panose="03010101010201010101" pitchFamily="66" charset="0"/>
+              </a:endParaRPr>
+            </a:p>
+            <a:p>
+              <a:r>
+                <a:rPr lang="pt-BR" sz="1600" dirty="0" smtClean="0">
+                  <a:latin typeface="Monotype Corsiva" panose="03010101010201010101" pitchFamily="66" charset="0"/>
+                </a:rPr>
+                <a:t>Porque</a:t>
+              </a:r>
+              <a:endParaRPr lang="en-US" sz="1600" dirty="0">
+                <a:latin typeface="Monotype Corsiva" panose="03010101010201010101" pitchFamily="66" charset="0"/>
+              </a:endParaRPr>
+            </a:p>
+          </p:txBody>
+        </p:sp>
+      </p:grpSp>
+      <p:sp>
+        <p:nvSpPr>
+          <p:cNvPr id="12" name="CaixaDeTexto 11"/>
+          <p:cNvSpPr txBox="1"/>
+          <p:nvPr/>
+        </p:nvSpPr>
+        <p:spPr>
+          <a:xfrm>
+            <a:off x="162227" y="6293921"/>
+            <a:ext cx="3150989" cy="307777"/>
+          </a:xfrm>
+          <a:prstGeom prst="rect">
+            <a:avLst/>
+          </a:prstGeom>
+          <a:noFill/>
+        </p:spPr>
+        <p:txBody>
+          <a:bodyPr wrap="square" rtlCol="0">
+            <a:spAutoFit/>
+          </a:bodyPr>
+          <a:lstStyle/>
+          <a:p>
+            <a:r>
+              <a:rPr lang="pt-BR" sz="1400" dirty="0" smtClean="0"/>
+              <a:t>Reginaldo Castro</a:t>
+            </a:r>
+            <a:endParaRPr lang="pt-BR" sz="1400" dirty="0"/>
+          </a:p>
+        </p:txBody>
+      </p:sp>
+    </p:spTree>
+    <p:extLst>
+      <p:ext uri="{BB962C8B-B14F-4D97-AF65-F5344CB8AC3E}">
+        <p14:creationId xmlns:p14="http://schemas.microsoft.com/office/powerpoint/2010/main" val="52531925"/>
+      </p:ext>
+    </p:extLst>
+  </p:cSld>
+  <p:clrMapOvr>
+    <a:masterClrMapping/>
+  </p:clrMapOvr>
+  <p:timing>
+    <p:tnLst>
+      <p:par>
+        <p:cTn id="1" dur="indefinite" restart="never" nodeType="tmRoot"/>
+      </p:par>
+    </p:tnLst>
+  </p:timing>
+</p:sld>
+</file>
+
+<file path=ppt/slides/slide13.xml><?xml version="1.0" encoding="utf-8"?>
 <p:sld xmlns:a="http://schemas.openxmlformats.org/drawingml/2006/main" xmlns:r="http://schemas.openxmlformats.org/officeDocument/2006/relationships" xmlns:p="http://schemas.openxmlformats.org/presentationml/2006/main">
   <p:cSld>
     <p:spTree>
@@ -3348,7 +4244,7 @@
 </p:sld>
 </file>
 
-<file path=ppt/slides/slide13.xml><?xml version="1.0" encoding="utf-8"?>
+<file path=ppt/slides/slide14.xml><?xml version="1.0" encoding="utf-8"?>
 <p:sld xmlns:a="http://schemas.openxmlformats.org/drawingml/2006/main" xmlns:r="http://schemas.openxmlformats.org/officeDocument/2006/relationships" xmlns:p="http://schemas.openxmlformats.org/presentationml/2006/main">
   <p:cSld>
     <p:spTree>
@@ -4082,7 +4978,7 @@
 </p:sld>
 </file>
 
-<file path=ppt/slides/slide14.xml><?xml version="1.0" encoding="utf-8"?>
+<file path=ppt/slides/slide15.xml><?xml version="1.0" encoding="utf-8"?>
 <p:sld xmlns:a="http://schemas.openxmlformats.org/drawingml/2006/main" xmlns:r="http://schemas.openxmlformats.org/officeDocument/2006/relationships" xmlns:p="http://schemas.openxmlformats.org/presentationml/2006/main">
   <p:cSld>
     <p:spTree>
@@ -5040,7 +5936,7 @@
 </p:sld>
 </file>
 
-<file path=ppt/slides/slide15.xml><?xml version="1.0" encoding="utf-8"?>
+<file path=ppt/slides/slide16.xml><?xml version="1.0" encoding="utf-8"?>
 <p:sld xmlns:a="http://schemas.openxmlformats.org/drawingml/2006/main" xmlns:r="http://schemas.openxmlformats.org/officeDocument/2006/relationships" xmlns:p="http://schemas.openxmlformats.org/presentationml/2006/main">
   <p:cSld>
     <p:spTree>
@@ -5285,7 +6181,7 @@
                           <a:ea typeface="+mn-ea"/>
                           <a:cs typeface="+mn-cs"/>
                         </a:rPr>
-                        <a:t> </a:t>
+                        <a:t> quero </a:t>
                       </a:r>
                       <a:r>
                         <a:rPr lang="en-US" sz="1400" b="0" kern="1200" dirty="0" err="1" smtClean="0">
@@ -5296,7 +6192,7 @@
                           <a:ea typeface="+mn-ea"/>
                           <a:cs typeface="+mn-cs"/>
                         </a:rPr>
-                        <a:t>quero</a:t>
+                        <a:t>efetivar</a:t>
                       </a:r>
                       <a:r>
                         <a:rPr lang="en-US" sz="1400" b="0" kern="1200" dirty="0" smtClean="0">
@@ -5307,7 +6203,7 @@
                           <a:ea typeface="+mn-ea"/>
                           <a:cs typeface="+mn-cs"/>
                         </a:rPr>
-                        <a:t> </a:t>
+                        <a:t> o </a:t>
                       </a:r>
                       <a:r>
                         <a:rPr lang="en-US" sz="1400" b="0" kern="1200" dirty="0" err="1" smtClean="0">
@@ -5318,7 +6214,7 @@
                           <a:ea typeface="+mn-ea"/>
                           <a:cs typeface="+mn-cs"/>
                         </a:rPr>
-                        <a:t>efetivar</a:t>
+                        <a:t>cadastro</a:t>
                       </a:r>
                       <a:r>
                         <a:rPr lang="en-US" sz="1400" b="0" kern="1200" dirty="0" smtClean="0">
@@ -5329,51 +6225,7 @@
                           <a:ea typeface="+mn-ea"/>
                           <a:cs typeface="+mn-cs"/>
                         </a:rPr>
-                        <a:t> o </a:t>
-                      </a:r>
-                      <a:r>
-                        <a:rPr lang="en-US" sz="1400" b="0" kern="1200" dirty="0" err="1" smtClean="0">
-                          <a:solidFill>
-                            <a:schemeClr val="tx1"/>
-                          </a:solidFill>
-                          <a:latin typeface="+mn-lt"/>
-                          <a:ea typeface="+mn-ea"/>
-                          <a:cs typeface="+mn-cs"/>
-                        </a:rPr>
-                        <a:t>cadastro</a:t>
-                      </a:r>
-                      <a:r>
-                        <a:rPr lang="en-US" sz="1400" b="0" kern="1200" dirty="0" smtClean="0">
-                          <a:solidFill>
-                            <a:schemeClr val="tx1"/>
-                          </a:solidFill>
-                          <a:latin typeface="+mn-lt"/>
-                          <a:ea typeface="+mn-ea"/>
-                          <a:cs typeface="+mn-cs"/>
-                        </a:rPr>
-                        <a:t> online, para </a:t>
-                      </a:r>
-                      <a:r>
-                        <a:rPr lang="en-US" sz="1400" b="0" kern="1200" dirty="0" err="1" smtClean="0">
-                          <a:solidFill>
-                            <a:schemeClr val="tx1"/>
-                          </a:solidFill>
-                          <a:latin typeface="+mn-lt"/>
-                          <a:ea typeface="+mn-ea"/>
-                          <a:cs typeface="+mn-cs"/>
-                        </a:rPr>
-                        <a:t>que</a:t>
-                      </a:r>
-                      <a:r>
-                        <a:rPr lang="en-US" sz="1400" b="0" kern="1200" dirty="0" smtClean="0">
-                          <a:solidFill>
-                            <a:schemeClr val="tx1"/>
-                          </a:solidFill>
-                          <a:latin typeface="+mn-lt"/>
-                          <a:ea typeface="+mn-ea"/>
-                          <a:cs typeface="+mn-cs"/>
-                        </a:rPr>
-                        <a:t> </a:t>
+                        <a:t> online, para que </a:t>
                       </a:r>
                       <a:r>
                         <a:rPr lang="en-US" sz="1400" b="0" kern="1200" dirty="0" err="1" smtClean="0">
@@ -5517,17 +6369,6 @@
                         <a:buAutoNum type="arabicPeriod"/>
                       </a:pPr>
                       <a:r>
-                        <a:rPr lang="en-US" sz="1400" b="0" kern="1200" dirty="0" err="1" smtClean="0">
-                          <a:solidFill>
-                            <a:schemeClr val="tx1"/>
-                          </a:solidFill>
-                          <a:latin typeface="+mn-lt"/>
-                          <a:ea typeface="+mn-ea"/>
-                          <a:cs typeface="+mn-cs"/>
-                        </a:rPr>
-                        <a:t>Posso</a:t>
-                      </a:r>
-                      <a:r>
                         <a:rPr lang="en-US" sz="1400" b="0" kern="1200" dirty="0" smtClean="0">
                           <a:solidFill>
                             <a:schemeClr val="tx1"/>
@@ -5536,7 +6377,7 @@
                           <a:ea typeface="+mn-ea"/>
                           <a:cs typeface="+mn-cs"/>
                         </a:rPr>
-                        <a:t> </a:t>
+                        <a:t>Posso </a:t>
                       </a:r>
                       <a:r>
                         <a:rPr lang="en-US" sz="1400" b="0" kern="1200" dirty="0" err="1" smtClean="0">
@@ -5588,17 +6429,6 @@
                         <a:buAutoNum type="arabicPeriod"/>
                       </a:pPr>
                       <a:r>
-                        <a:rPr lang="en-US" sz="1400" b="0" kern="1200" dirty="0" err="1" smtClean="0">
-                          <a:solidFill>
-                            <a:schemeClr val="tx1"/>
-                          </a:solidFill>
-                          <a:latin typeface="+mn-lt"/>
-                          <a:ea typeface="+mn-ea"/>
-                          <a:cs typeface="+mn-cs"/>
-                        </a:rPr>
-                        <a:t>Posso</a:t>
-                      </a:r>
-                      <a:r>
                         <a:rPr lang="en-US" sz="1400" b="0" kern="1200" dirty="0" smtClean="0">
                           <a:solidFill>
                             <a:schemeClr val="tx1"/>
@@ -5607,7 +6437,7 @@
                           <a:ea typeface="+mn-ea"/>
                           <a:cs typeface="+mn-cs"/>
                         </a:rPr>
-                        <a:t> </a:t>
+                        <a:t>Posso </a:t>
                       </a:r>
                       <a:r>
                         <a:rPr lang="en-US" sz="1400" b="0" kern="1200" dirty="0" err="1" smtClean="0">
@@ -5759,7 +6589,7 @@
                           <a:ea typeface="+mn-ea"/>
                           <a:cs typeface="+mn-cs"/>
                         </a:rPr>
-                        <a:t>, </a:t>
+                        <a:t>, quero </a:t>
                       </a:r>
                       <a:r>
                         <a:rPr lang="en-US" sz="1400" b="0" kern="1200" dirty="0" err="1" smtClean="0">
@@ -5770,7 +6600,7 @@
                           <a:ea typeface="+mn-ea"/>
                           <a:cs typeface="+mn-cs"/>
                         </a:rPr>
-                        <a:t>quero</a:t>
+                        <a:t>fazer</a:t>
                       </a:r>
                       <a:r>
                         <a:rPr lang="en-US" sz="1400" b="0" kern="1200" dirty="0" smtClean="0">
@@ -5781,6 +6611,50 @@
                           <a:ea typeface="+mn-ea"/>
                           <a:cs typeface="+mn-cs"/>
                         </a:rPr>
+                        <a:t> o </a:t>
+                      </a:r>
+                      <a:r>
+                        <a:rPr lang="en-US" sz="1400" b="0" kern="1200" dirty="0" err="1" smtClean="0">
+                          <a:solidFill>
+                            <a:schemeClr val="tx1"/>
+                          </a:solidFill>
+                          <a:latin typeface="+mn-lt"/>
+                          <a:ea typeface="+mn-ea"/>
+                          <a:cs typeface="+mn-cs"/>
+                        </a:rPr>
+                        <a:t>pedido</a:t>
+                      </a:r>
+                      <a:r>
+                        <a:rPr lang="en-US" sz="1400" b="0" kern="1200" dirty="0" smtClean="0">
+                          <a:solidFill>
+                            <a:schemeClr val="tx1"/>
+                          </a:solidFill>
+                          <a:latin typeface="+mn-lt"/>
+                          <a:ea typeface="+mn-ea"/>
+                          <a:cs typeface="+mn-cs"/>
+                        </a:rPr>
+                        <a:t> e </a:t>
+                      </a:r>
+                      <a:r>
+                        <a:rPr lang="en-US" sz="1400" b="0" kern="1200" dirty="0" err="1" smtClean="0">
+                          <a:solidFill>
+                            <a:schemeClr val="tx1"/>
+                          </a:solidFill>
+                          <a:latin typeface="+mn-lt"/>
+                          <a:ea typeface="+mn-ea"/>
+                          <a:cs typeface="+mn-cs"/>
+                        </a:rPr>
+                        <a:t>ser</a:t>
+                      </a:r>
+                      <a:r>
+                        <a:rPr lang="en-US" sz="1400" b="0" kern="1200" dirty="0" smtClean="0">
+                          <a:solidFill>
+                            <a:schemeClr val="tx1"/>
+                          </a:solidFill>
+                          <a:latin typeface="+mn-lt"/>
+                          <a:ea typeface="+mn-ea"/>
+                          <a:cs typeface="+mn-cs"/>
+                        </a:rPr>
                         <a:t> </a:t>
                       </a:r>
                       <a:r>
@@ -5792,7 +6666,7 @@
                           <a:ea typeface="+mn-ea"/>
                           <a:cs typeface="+mn-cs"/>
                         </a:rPr>
-                        <a:t>fazer</a:t>
+                        <a:t>avisado</a:t>
                       </a:r>
                       <a:r>
                         <a:rPr lang="en-US" sz="1400" b="0" kern="1200" dirty="0" smtClean="0">
@@ -5803,7 +6677,7 @@
                           <a:ea typeface="+mn-ea"/>
                           <a:cs typeface="+mn-cs"/>
                         </a:rPr>
-                        <a:t> o </a:t>
+                        <a:t> </a:t>
                       </a:r>
                       <a:r>
                         <a:rPr lang="en-US" sz="1400" b="0" kern="1200" dirty="0" err="1" smtClean="0">
@@ -5814,7 +6688,7 @@
                           <a:ea typeface="+mn-ea"/>
                           <a:cs typeface="+mn-cs"/>
                         </a:rPr>
-                        <a:t>pedido</a:t>
+                        <a:t>por</a:t>
                       </a:r>
                       <a:r>
                         <a:rPr lang="en-US" sz="1400" b="0" kern="1200" dirty="0" smtClean="0">
@@ -5825,7 +6699,7 @@
                           <a:ea typeface="+mn-ea"/>
                           <a:cs typeface="+mn-cs"/>
                         </a:rPr>
-                        <a:t> e </a:t>
+                        <a:t> </a:t>
                       </a:r>
                       <a:r>
                         <a:rPr lang="en-US" sz="1400" b="0" kern="1200" dirty="0" err="1" smtClean="0">
@@ -5836,7 +6710,7 @@
                           <a:ea typeface="+mn-ea"/>
                           <a:cs typeface="+mn-cs"/>
                         </a:rPr>
-                        <a:t>ser</a:t>
+                        <a:t>sms</a:t>
                       </a:r>
                       <a:r>
                         <a:rPr lang="en-US" sz="1400" b="0" kern="1200" dirty="0" smtClean="0">
@@ -5847,21 +6721,32 @@
                           <a:ea typeface="+mn-ea"/>
                           <a:cs typeface="+mn-cs"/>
                         </a:rPr>
+                        <a:t> a</a:t>
+                      </a:r>
+                      <a:r>
+                        <a:rPr lang="en-US" sz="1400" b="0" kern="1200" baseline="0" dirty="0" smtClean="0">
+                          <a:solidFill>
+                            <a:schemeClr val="tx1"/>
+                          </a:solidFill>
+                          <a:latin typeface="+mn-lt"/>
+                          <a:ea typeface="+mn-ea"/>
+                          <a:cs typeface="+mn-cs"/>
+                        </a:rPr>
                         <a:t> </a:t>
                       </a:r>
                       <a:r>
-                        <a:rPr lang="en-US" sz="1400" b="0" kern="1200" dirty="0" err="1" smtClean="0">
-                          <a:solidFill>
-                            <a:schemeClr val="tx1"/>
-                          </a:solidFill>
-                          <a:latin typeface="+mn-lt"/>
-                          <a:ea typeface="+mn-ea"/>
-                          <a:cs typeface="+mn-cs"/>
-                        </a:rPr>
-                        <a:t>avisado</a:t>
-                      </a:r>
-                      <a:r>
-                        <a:rPr lang="en-US" sz="1400" b="0" kern="1200" dirty="0" smtClean="0">
+                        <a:rPr lang="en-US" sz="1400" b="0" kern="1200" baseline="0" dirty="0" err="1" smtClean="0">
+                          <a:solidFill>
+                            <a:schemeClr val="tx1"/>
+                          </a:solidFill>
+                          <a:latin typeface="+mn-lt"/>
+                          <a:ea typeface="+mn-ea"/>
+                          <a:cs typeface="+mn-cs"/>
+                        </a:rPr>
+                        <a:t>cada</a:t>
+                      </a:r>
+                      <a:r>
+                        <a:rPr lang="en-US" sz="1400" b="0" kern="1200" baseline="0" dirty="0" smtClean="0">
                           <a:solidFill>
                             <a:schemeClr val="tx1"/>
                           </a:solidFill>
@@ -5872,48 +6757,15 @@
                         <a:t> </a:t>
                       </a:r>
                       <a:r>
-                        <a:rPr lang="en-US" sz="1400" b="0" kern="1200" dirty="0" err="1" smtClean="0">
-                          <a:solidFill>
-                            <a:schemeClr val="tx1"/>
-                          </a:solidFill>
-                          <a:latin typeface="+mn-lt"/>
-                          <a:ea typeface="+mn-ea"/>
-                          <a:cs typeface="+mn-cs"/>
-                        </a:rPr>
-                        <a:t>por</a:t>
-                      </a:r>
-                      <a:r>
-                        <a:rPr lang="en-US" sz="1400" b="0" kern="1200" dirty="0" smtClean="0">
-                          <a:solidFill>
-                            <a:schemeClr val="tx1"/>
-                          </a:solidFill>
-                          <a:latin typeface="+mn-lt"/>
-                          <a:ea typeface="+mn-ea"/>
-                          <a:cs typeface="+mn-cs"/>
-                        </a:rPr>
-                        <a:t> </a:t>
-                      </a:r>
-                      <a:r>
-                        <a:rPr lang="en-US" sz="1400" b="0" kern="1200" dirty="0" err="1" smtClean="0">
-                          <a:solidFill>
-                            <a:schemeClr val="tx1"/>
-                          </a:solidFill>
-                          <a:latin typeface="+mn-lt"/>
-                          <a:ea typeface="+mn-ea"/>
-                          <a:cs typeface="+mn-cs"/>
-                        </a:rPr>
-                        <a:t>sms</a:t>
-                      </a:r>
-                      <a:r>
-                        <a:rPr lang="en-US" sz="1400" b="0" kern="1200" dirty="0" smtClean="0">
-                          <a:solidFill>
-                            <a:schemeClr val="tx1"/>
-                          </a:solidFill>
-                          <a:latin typeface="+mn-lt"/>
-                          <a:ea typeface="+mn-ea"/>
-                          <a:cs typeface="+mn-cs"/>
-                        </a:rPr>
-                        <a:t> a</a:t>
+                        <a:rPr lang="en-US" sz="1400" b="0" kern="1200" baseline="0" dirty="0" err="1" smtClean="0">
+                          <a:solidFill>
+                            <a:schemeClr val="tx1"/>
+                          </a:solidFill>
+                          <a:latin typeface="+mn-lt"/>
+                          <a:ea typeface="+mn-ea"/>
+                          <a:cs typeface="+mn-cs"/>
+                        </a:rPr>
+                        <a:t>mudança</a:t>
                       </a:r>
                       <a:r>
                         <a:rPr lang="en-US" sz="1400" b="0" kern="1200" baseline="0" dirty="0" smtClean="0">
@@ -5924,7 +6776,7 @@
                           <a:ea typeface="+mn-ea"/>
                           <a:cs typeface="+mn-cs"/>
                         </a:rPr>
-                        <a:t> </a:t>
+                        <a:t> de Status do </a:t>
                       </a:r>
                       <a:r>
                         <a:rPr lang="en-US" sz="1400" b="0" kern="1200" baseline="0" dirty="0" err="1" smtClean="0">
@@ -5935,7 +6787,7 @@
                           <a:ea typeface="+mn-ea"/>
                           <a:cs typeface="+mn-cs"/>
                         </a:rPr>
-                        <a:t>cada</a:t>
+                        <a:t>Pedido</a:t>
                       </a:r>
                       <a:r>
                         <a:rPr lang="en-US" sz="1400" b="0" kern="1200" baseline="0" dirty="0" smtClean="0">
@@ -5946,73 +6798,7 @@
                           <a:ea typeface="+mn-ea"/>
                           <a:cs typeface="+mn-cs"/>
                         </a:rPr>
-                        <a:t> </a:t>
-                      </a:r>
-                      <a:r>
-                        <a:rPr lang="en-US" sz="1400" b="0" kern="1200" baseline="0" dirty="0" err="1" smtClean="0">
-                          <a:solidFill>
-                            <a:schemeClr val="tx1"/>
-                          </a:solidFill>
-                          <a:latin typeface="+mn-lt"/>
-                          <a:ea typeface="+mn-ea"/>
-                          <a:cs typeface="+mn-cs"/>
-                        </a:rPr>
-                        <a:t>mudança</a:t>
-                      </a:r>
-                      <a:r>
-                        <a:rPr lang="en-US" sz="1400" b="0" kern="1200" baseline="0" dirty="0" smtClean="0">
-                          <a:solidFill>
-                            <a:schemeClr val="tx1"/>
-                          </a:solidFill>
-                          <a:latin typeface="+mn-lt"/>
-                          <a:ea typeface="+mn-ea"/>
-                          <a:cs typeface="+mn-cs"/>
-                        </a:rPr>
-                        <a:t> de Status do </a:t>
-                      </a:r>
-                      <a:r>
-                        <a:rPr lang="en-US" sz="1400" b="0" kern="1200" baseline="0" dirty="0" err="1" smtClean="0">
-                          <a:solidFill>
-                            <a:schemeClr val="tx1"/>
-                          </a:solidFill>
-                          <a:latin typeface="+mn-lt"/>
-                          <a:ea typeface="+mn-ea"/>
-                          <a:cs typeface="+mn-cs"/>
-                        </a:rPr>
-                        <a:t>Pedido</a:t>
-                      </a:r>
-                      <a:r>
-                        <a:rPr lang="en-US" sz="1400" b="0" kern="1200" baseline="0" dirty="0" smtClean="0">
-                          <a:solidFill>
-                            <a:schemeClr val="tx1"/>
-                          </a:solidFill>
-                          <a:latin typeface="+mn-lt"/>
-                          <a:ea typeface="+mn-ea"/>
-                          <a:cs typeface="+mn-cs"/>
-                        </a:rPr>
-                        <a:t>, para </a:t>
-                      </a:r>
-                      <a:r>
-                        <a:rPr lang="en-US" sz="1400" b="0" kern="1200" baseline="0" dirty="0" err="1" smtClean="0">
-                          <a:solidFill>
-                            <a:schemeClr val="tx1"/>
-                          </a:solidFill>
-                          <a:latin typeface="+mn-lt"/>
-                          <a:ea typeface="+mn-ea"/>
-                          <a:cs typeface="+mn-cs"/>
-                        </a:rPr>
-                        <a:t>que</a:t>
-                      </a:r>
-                      <a:r>
-                        <a:rPr lang="en-US" sz="1400" b="0" kern="1200" baseline="0" dirty="0" smtClean="0">
-                          <a:solidFill>
-                            <a:schemeClr val="tx1"/>
-                          </a:solidFill>
-                          <a:latin typeface="+mn-lt"/>
-                          <a:ea typeface="+mn-ea"/>
-                          <a:cs typeface="+mn-cs"/>
-                        </a:rPr>
-                        <a:t> </a:t>
+                        <a:t>, para que </a:t>
                       </a:r>
                       <a:r>
                         <a:rPr lang="en-US" sz="1400" b="0" kern="1200" baseline="0" dirty="0" err="1" smtClean="0">
@@ -6123,7 +6909,7 @@
                         <a:buAutoNum type="arabicPeriod"/>
                       </a:pPr>
                       <a:r>
-                        <a:rPr lang="en-US" sz="1400" b="0" kern="1200" dirty="0" err="1" smtClean="0">
+                        <a:rPr lang="en-US" sz="1400" b="0" kern="1200" dirty="0" smtClean="0">
                           <a:solidFill>
                             <a:schemeClr val="tx1"/>
                           </a:solidFill>
@@ -6194,17 +6980,6 @@
                         <a:buAutoNum type="arabicPeriod"/>
                       </a:pPr>
                       <a:r>
-                        <a:rPr lang="en-US" sz="1400" b="0" kern="1200" baseline="0" dirty="0" err="1" smtClean="0">
-                          <a:solidFill>
-                            <a:schemeClr val="tx1"/>
-                          </a:solidFill>
-                          <a:latin typeface="+mn-lt"/>
-                          <a:ea typeface="+mn-ea"/>
-                          <a:cs typeface="+mn-cs"/>
-                        </a:rPr>
-                        <a:t>Posso</a:t>
-                      </a:r>
-                      <a:r>
                         <a:rPr lang="en-US" sz="1400" b="0" kern="1200" baseline="0" dirty="0" smtClean="0">
                           <a:solidFill>
                             <a:schemeClr val="tx1"/>
@@ -6213,7 +6988,7 @@
                           <a:ea typeface="+mn-ea"/>
                           <a:cs typeface="+mn-cs"/>
                         </a:rPr>
-                        <a:t> </a:t>
+                        <a:t>Posso </a:t>
                       </a:r>
                       <a:r>
                         <a:rPr lang="en-US" sz="1400" b="0" kern="1200" baseline="0" dirty="0" err="1" smtClean="0">
@@ -6321,7 +7096,7 @@
                           <a:ea typeface="+mn-ea"/>
                           <a:cs typeface="+mn-cs"/>
                         </a:rPr>
-                        <a:t>Como </a:t>
+                        <a:t>Como Gestor, </a:t>
                       </a:r>
                       <a:r>
                         <a:rPr lang="en-US" sz="1400" b="0" kern="1200" dirty="0" err="1" smtClean="0">
@@ -6332,7 +7107,7 @@
                           <a:ea typeface="+mn-ea"/>
                           <a:cs typeface="+mn-cs"/>
                         </a:rPr>
-                        <a:t>Gestor</a:t>
+                        <a:t>eu</a:t>
                       </a:r>
                       <a:r>
                         <a:rPr lang="en-US" sz="1400" b="0" kern="1200" dirty="0" smtClean="0">
@@ -6343,7 +7118,7 @@
                           <a:ea typeface="+mn-ea"/>
                           <a:cs typeface="+mn-cs"/>
                         </a:rPr>
-                        <a:t>, </a:t>
+                        <a:t> quero </a:t>
                       </a:r>
                       <a:r>
                         <a:rPr lang="en-US" sz="1400" b="0" kern="1200" dirty="0" err="1" smtClean="0">
@@ -6354,7 +7129,7 @@
                           <a:ea typeface="+mn-ea"/>
                           <a:cs typeface="+mn-cs"/>
                         </a:rPr>
-                        <a:t>eu</a:t>
+                        <a:t>efetivar</a:t>
                       </a:r>
                       <a:r>
                         <a:rPr lang="en-US" sz="1400" b="0" kern="1200" dirty="0" smtClean="0">
@@ -6365,6 +7140,94 @@
                           <a:ea typeface="+mn-ea"/>
                           <a:cs typeface="+mn-cs"/>
                         </a:rPr>
+                        <a:t> o </a:t>
+                      </a:r>
+                      <a:r>
+                        <a:rPr lang="en-US" sz="1400" b="0" kern="1200" dirty="0" err="1" smtClean="0">
+                          <a:solidFill>
+                            <a:schemeClr val="tx1"/>
+                          </a:solidFill>
+                          <a:latin typeface="+mn-lt"/>
+                          <a:ea typeface="+mn-ea"/>
+                          <a:cs typeface="+mn-cs"/>
+                        </a:rPr>
+                        <a:t>cadastro</a:t>
+                      </a:r>
+                      <a:r>
+                        <a:rPr lang="en-US" sz="1400" b="0" kern="1200" dirty="0" smtClean="0">
+                          <a:solidFill>
+                            <a:schemeClr val="tx1"/>
+                          </a:solidFill>
+                          <a:latin typeface="+mn-lt"/>
+                          <a:ea typeface="+mn-ea"/>
+                          <a:cs typeface="+mn-cs"/>
+                        </a:rPr>
+                        <a:t> de </a:t>
+                      </a:r>
+                      <a:r>
+                        <a:rPr lang="en-US" sz="1400" b="0" kern="1200" dirty="0" err="1" smtClean="0">
+                          <a:solidFill>
+                            <a:schemeClr val="tx1"/>
+                          </a:solidFill>
+                          <a:latin typeface="+mn-lt"/>
+                          <a:ea typeface="+mn-ea"/>
+                          <a:cs typeface="+mn-cs"/>
+                        </a:rPr>
+                        <a:t>funcionários</a:t>
+                      </a:r>
+                      <a:r>
+                        <a:rPr lang="en-US" sz="1400" b="0" kern="1200" dirty="0" smtClean="0">
+                          <a:solidFill>
+                            <a:schemeClr val="tx1"/>
+                          </a:solidFill>
+                          <a:latin typeface="+mn-lt"/>
+                          <a:ea typeface="+mn-ea"/>
+                          <a:cs typeface="+mn-cs"/>
+                        </a:rPr>
+                        <a:t> no </a:t>
+                      </a:r>
+                      <a:r>
+                        <a:rPr lang="en-US" sz="1400" b="0" kern="1200" dirty="0" err="1" smtClean="0">
+                          <a:solidFill>
+                            <a:schemeClr val="tx1"/>
+                          </a:solidFill>
+                          <a:latin typeface="+mn-lt"/>
+                          <a:ea typeface="+mn-ea"/>
+                          <a:cs typeface="+mn-cs"/>
+                        </a:rPr>
+                        <a:t>sistema</a:t>
+                      </a:r>
+                      <a:r>
+                        <a:rPr lang="en-US" sz="1400" b="0" kern="1200" dirty="0" smtClean="0">
+                          <a:solidFill>
+                            <a:schemeClr val="tx1"/>
+                          </a:solidFill>
+                          <a:latin typeface="+mn-lt"/>
+                          <a:ea typeface="+mn-ea"/>
+                          <a:cs typeface="+mn-cs"/>
+                        </a:rPr>
+                        <a:t> e o </a:t>
+                      </a:r>
+                      <a:r>
+                        <a:rPr lang="en-US" sz="1400" b="0" kern="1200" dirty="0" err="1" smtClean="0">
+                          <a:solidFill>
+                            <a:schemeClr val="tx1"/>
+                          </a:solidFill>
+                          <a:latin typeface="+mn-lt"/>
+                          <a:ea typeface="+mn-ea"/>
+                          <a:cs typeface="+mn-cs"/>
+                        </a:rPr>
+                        <a:t>usuário</a:t>
+                      </a:r>
+                      <a:r>
+                        <a:rPr lang="en-US" sz="1400" b="0" kern="1200" dirty="0" smtClean="0">
+                          <a:solidFill>
+                            <a:schemeClr val="tx1"/>
+                          </a:solidFill>
+                          <a:latin typeface="+mn-lt"/>
+                          <a:ea typeface="+mn-ea"/>
+                          <a:cs typeface="+mn-cs"/>
+                        </a:rPr>
                         <a:t> </a:t>
                       </a:r>
                       <a:r>
@@ -6376,7 +7239,7 @@
                           <a:ea typeface="+mn-ea"/>
                           <a:cs typeface="+mn-cs"/>
                         </a:rPr>
-                        <a:t>quero</a:t>
+                        <a:t>deve</a:t>
                       </a:r>
                       <a:r>
                         <a:rPr lang="en-US" sz="1400" b="0" kern="1200" dirty="0" smtClean="0">
@@ -6398,7 +7261,7 @@
                           <a:ea typeface="+mn-ea"/>
                           <a:cs typeface="+mn-cs"/>
                         </a:rPr>
-                        <a:t>efetivar</a:t>
+                        <a:t>estar</a:t>
                       </a:r>
                       <a:r>
                         <a:rPr lang="en-US" sz="1400" b="0" kern="1200" dirty="0" smtClean="0">
@@ -6409,7 +7272,7 @@
                           <a:ea typeface="+mn-ea"/>
                           <a:cs typeface="+mn-cs"/>
                         </a:rPr>
-                        <a:t> o </a:t>
+                        <a:t> </a:t>
                       </a:r>
                       <a:r>
                         <a:rPr lang="en-US" sz="1400" b="0" kern="1200" dirty="0" err="1" smtClean="0">
@@ -6420,76 +7283,10 @@
                           <a:ea typeface="+mn-ea"/>
                           <a:cs typeface="+mn-cs"/>
                         </a:rPr>
-                        <a:t>cadastro</a:t>
-                      </a:r>
-                      <a:r>
-                        <a:rPr lang="en-US" sz="1400" b="0" kern="1200" dirty="0" smtClean="0">
-                          <a:solidFill>
-                            <a:schemeClr val="tx1"/>
-                          </a:solidFill>
-                          <a:latin typeface="+mn-lt"/>
-                          <a:ea typeface="+mn-ea"/>
-                          <a:cs typeface="+mn-cs"/>
-                        </a:rPr>
-                        <a:t> de </a:t>
-                      </a:r>
-                      <a:r>
-                        <a:rPr lang="en-US" sz="1400" b="0" kern="1200" dirty="0" err="1" smtClean="0">
-                          <a:solidFill>
-                            <a:schemeClr val="tx1"/>
-                          </a:solidFill>
-                          <a:latin typeface="+mn-lt"/>
-                          <a:ea typeface="+mn-ea"/>
-                          <a:cs typeface="+mn-cs"/>
-                        </a:rPr>
-                        <a:t>funcionários</a:t>
-                      </a:r>
-                      <a:r>
-                        <a:rPr lang="en-US" sz="1400" b="0" kern="1200" dirty="0" smtClean="0">
-                          <a:solidFill>
-                            <a:schemeClr val="tx1"/>
-                          </a:solidFill>
-                          <a:latin typeface="+mn-lt"/>
-                          <a:ea typeface="+mn-ea"/>
-                          <a:cs typeface="+mn-cs"/>
-                        </a:rPr>
-                        <a:t> no </a:t>
-                      </a:r>
-                      <a:r>
-                        <a:rPr lang="en-US" sz="1400" b="0" kern="1200" dirty="0" err="1" smtClean="0">
-                          <a:solidFill>
-                            <a:schemeClr val="tx1"/>
-                          </a:solidFill>
-                          <a:latin typeface="+mn-lt"/>
-                          <a:ea typeface="+mn-ea"/>
-                          <a:cs typeface="+mn-cs"/>
-                        </a:rPr>
-                        <a:t>sistema</a:t>
-                      </a:r>
-                      <a:r>
-                        <a:rPr lang="en-US" sz="1400" b="0" kern="1200" dirty="0" smtClean="0">
-                          <a:solidFill>
-                            <a:schemeClr val="tx1"/>
-                          </a:solidFill>
-                          <a:latin typeface="+mn-lt"/>
-                          <a:ea typeface="+mn-ea"/>
-                          <a:cs typeface="+mn-cs"/>
-                        </a:rPr>
-                        <a:t> e o </a:t>
-                      </a:r>
-                      <a:r>
-                        <a:rPr lang="en-US" sz="1400" b="0" kern="1200" dirty="0" err="1" smtClean="0">
-                          <a:solidFill>
-                            <a:schemeClr val="tx1"/>
-                          </a:solidFill>
-                          <a:latin typeface="+mn-lt"/>
-                          <a:ea typeface="+mn-ea"/>
-                          <a:cs typeface="+mn-cs"/>
-                        </a:rPr>
-                        <a:t>usuário</a:t>
-                      </a:r>
-                      <a:r>
-                        <a:rPr lang="en-US" sz="1400" b="0" kern="1200" dirty="0" smtClean="0">
+                        <a:t>ativo</a:t>
+                      </a:r>
+                      <a:r>
+                        <a:rPr lang="en-US" sz="1400" b="0" kern="1200" baseline="0" dirty="0" smtClean="0">
                           <a:solidFill>
                             <a:schemeClr val="tx1"/>
                           </a:solidFill>
@@ -6500,18 +7297,18 @@
                         <a:t> </a:t>
                       </a:r>
                       <a:r>
-                        <a:rPr lang="en-US" sz="1400" b="0" kern="1200" dirty="0" err="1" smtClean="0">
-                          <a:solidFill>
-                            <a:schemeClr val="tx1"/>
-                          </a:solidFill>
-                          <a:latin typeface="+mn-lt"/>
-                          <a:ea typeface="+mn-ea"/>
-                          <a:cs typeface="+mn-cs"/>
-                        </a:rPr>
-                        <a:t>deve</a:t>
-                      </a:r>
-                      <a:r>
-                        <a:rPr lang="en-US" sz="1400" b="0" kern="1200" dirty="0" smtClean="0">
+                        <a:rPr lang="en-US" sz="1400" b="0" kern="1200" baseline="0" dirty="0" err="1" smtClean="0">
+                          <a:solidFill>
+                            <a:schemeClr val="tx1"/>
+                          </a:solidFill>
+                          <a:latin typeface="+mn-lt"/>
+                          <a:ea typeface="+mn-ea"/>
+                          <a:cs typeface="+mn-cs"/>
+                        </a:rPr>
+                        <a:t>imediatamente</a:t>
+                      </a:r>
+                      <a:r>
+                        <a:rPr lang="en-US" sz="1400" b="0" kern="1200" baseline="0" dirty="0" smtClean="0">
                           <a:solidFill>
                             <a:schemeClr val="tx1"/>
                           </a:solidFill>
@@ -6522,29 +7319,7 @@
                         <a:t> </a:t>
                       </a:r>
                       <a:r>
-                        <a:rPr lang="en-US" sz="1400" b="0" kern="1200" dirty="0" err="1" smtClean="0">
-                          <a:solidFill>
-                            <a:schemeClr val="tx1"/>
-                          </a:solidFill>
-                          <a:latin typeface="+mn-lt"/>
-                          <a:ea typeface="+mn-ea"/>
-                          <a:cs typeface="+mn-cs"/>
-                        </a:rPr>
-                        <a:t>estar</a:t>
-                      </a:r>
-                      <a:r>
-                        <a:rPr lang="en-US" sz="1400" b="0" kern="1200" dirty="0" smtClean="0">
-                          <a:solidFill>
-                            <a:schemeClr val="tx1"/>
-                          </a:solidFill>
-                          <a:latin typeface="+mn-lt"/>
-                          <a:ea typeface="+mn-ea"/>
-                          <a:cs typeface="+mn-cs"/>
-                        </a:rPr>
-                        <a:t> </a:t>
-                      </a:r>
-                      <a:r>
-                        <a:rPr lang="en-US" sz="1400" b="0" kern="1200" dirty="0" err="1" smtClean="0">
+                        <a:rPr lang="en-US" sz="1400" b="0" kern="1200" baseline="0" dirty="0" err="1" smtClean="0">
                           <a:solidFill>
                             <a:schemeClr val="tx1"/>
                           </a:solidFill>
@@ -6563,73 +7338,7 @@
                           <a:ea typeface="+mn-ea"/>
                           <a:cs typeface="+mn-cs"/>
                         </a:rPr>
-                        <a:t> </a:t>
-                      </a:r>
-                      <a:r>
-                        <a:rPr lang="en-US" sz="1400" b="0" kern="1200" baseline="0" dirty="0" err="1" smtClean="0">
-                          <a:solidFill>
-                            <a:schemeClr val="tx1"/>
-                          </a:solidFill>
-                          <a:latin typeface="+mn-lt"/>
-                          <a:ea typeface="+mn-ea"/>
-                          <a:cs typeface="+mn-cs"/>
-                        </a:rPr>
-                        <a:t>imediatamente</a:t>
-                      </a:r>
-                      <a:r>
-                        <a:rPr lang="en-US" sz="1400" b="0" kern="1200" baseline="0" dirty="0" smtClean="0">
-                          <a:solidFill>
-                            <a:schemeClr val="tx1"/>
-                          </a:solidFill>
-                          <a:latin typeface="+mn-lt"/>
-                          <a:ea typeface="+mn-ea"/>
-                          <a:cs typeface="+mn-cs"/>
-                        </a:rPr>
-                        <a:t> </a:t>
-                      </a:r>
-                      <a:r>
-                        <a:rPr lang="en-US" sz="1400" b="0" kern="1200" baseline="0" dirty="0" err="1" smtClean="0">
-                          <a:solidFill>
-                            <a:schemeClr val="tx1"/>
-                          </a:solidFill>
-                          <a:latin typeface="+mn-lt"/>
-                          <a:ea typeface="+mn-ea"/>
-                          <a:cs typeface="+mn-cs"/>
-                        </a:rPr>
-                        <a:t>ativo</a:t>
-                      </a:r>
-                      <a:r>
-                        <a:rPr lang="en-US" sz="1400" b="0" kern="1200" baseline="0" dirty="0" smtClean="0">
-                          <a:solidFill>
-                            <a:schemeClr val="tx1"/>
-                          </a:solidFill>
-                          <a:latin typeface="+mn-lt"/>
-                          <a:ea typeface="+mn-ea"/>
-                          <a:cs typeface="+mn-cs"/>
-                        </a:rPr>
-                        <a:t>, para </a:t>
-                      </a:r>
-                      <a:r>
-                        <a:rPr lang="en-US" sz="1400" b="0" kern="1200" baseline="0" dirty="0" err="1" smtClean="0">
-                          <a:solidFill>
-                            <a:schemeClr val="tx1"/>
-                          </a:solidFill>
-                          <a:latin typeface="+mn-lt"/>
-                          <a:ea typeface="+mn-ea"/>
-                          <a:cs typeface="+mn-cs"/>
-                        </a:rPr>
-                        <a:t>que</a:t>
-                      </a:r>
-                      <a:r>
-                        <a:rPr lang="en-US" sz="1400" b="0" kern="1200" baseline="0" dirty="0" smtClean="0">
-                          <a:solidFill>
-                            <a:schemeClr val="tx1"/>
-                          </a:solidFill>
-                          <a:latin typeface="+mn-lt"/>
-                          <a:ea typeface="+mn-ea"/>
-                          <a:cs typeface="+mn-cs"/>
-                        </a:rPr>
-                        <a:t> </a:t>
+                        <a:t>, para que </a:t>
                       </a:r>
                       <a:r>
                         <a:rPr lang="en-US" sz="1400" b="0" kern="1200" baseline="0" dirty="0" err="1" smtClean="0">
@@ -6729,17 +7438,6 @@
                         <a:buAutoNum type="arabicPeriod"/>
                       </a:pPr>
                       <a:r>
-                        <a:rPr lang="en-US" sz="1400" b="0" kern="1200" dirty="0" err="1" smtClean="0">
-                          <a:solidFill>
-                            <a:schemeClr val="tx1"/>
-                          </a:solidFill>
-                          <a:latin typeface="+mn-lt"/>
-                          <a:ea typeface="+mn-ea"/>
-                          <a:cs typeface="+mn-cs"/>
-                        </a:rPr>
-                        <a:t>Posso</a:t>
-                      </a:r>
-                      <a:r>
                         <a:rPr lang="en-US" sz="1400" b="0" kern="1200" dirty="0" smtClean="0">
                           <a:solidFill>
                             <a:schemeClr val="tx1"/>
@@ -6748,7 +7446,7 @@
                           <a:ea typeface="+mn-ea"/>
                           <a:cs typeface="+mn-cs"/>
                         </a:rPr>
-                        <a:t> </a:t>
+                        <a:t>Posso </a:t>
                       </a:r>
                       <a:r>
                         <a:rPr lang="en-US" sz="1400" b="0" kern="1200" dirty="0" err="1" smtClean="0">
@@ -6907,7 +7605,7 @@
                         <a:buAutoNum type="arabicPeriod"/>
                       </a:pPr>
                       <a:r>
-                        <a:rPr lang="en-US" sz="1400" b="0" kern="1200" dirty="0" err="1" smtClean="0">
+                        <a:rPr lang="en-US" sz="1400" b="0" kern="1200" dirty="0" smtClean="0">
                           <a:solidFill>
                             <a:schemeClr val="tx1"/>
                           </a:solidFill>
@@ -6970,18 +7668,7 @@
                           <a:ea typeface="+mn-ea"/>
                           <a:cs typeface="+mn-cs"/>
                         </a:rPr>
-                        <a:t> </a:t>
-                      </a:r>
-                      <a:r>
-                        <a:rPr lang="en-US" sz="1400" b="0" kern="1200" baseline="0" dirty="0" smtClean="0">
-                          <a:solidFill>
-                            <a:schemeClr val="tx1"/>
-                          </a:solidFill>
-                          <a:latin typeface="+mn-lt"/>
-                          <a:ea typeface="+mn-ea"/>
-                          <a:cs typeface="+mn-cs"/>
-                        </a:rPr>
-                        <a:t>de </a:t>
+                        <a:t> de </a:t>
                       </a:r>
                       <a:r>
                         <a:rPr lang="en-US" sz="1400" b="0" kern="1200" baseline="0" dirty="0" err="1" smtClean="0">
@@ -7111,6 +7798,28 @@
                           <a:ea typeface="+mn-ea"/>
                           <a:cs typeface="+mn-cs"/>
                         </a:rPr>
+                        <a:t> quero visualizar o status dos </a:t>
+                      </a:r>
+                      <a:r>
+                        <a:rPr lang="en-US" sz="1400" b="0" kern="1200" baseline="0" dirty="0" err="1" smtClean="0">
+                          <a:solidFill>
+                            <a:schemeClr val="tx1"/>
+                          </a:solidFill>
+                          <a:latin typeface="+mn-lt"/>
+                          <a:ea typeface="+mn-ea"/>
+                          <a:cs typeface="+mn-cs"/>
+                        </a:rPr>
+                        <a:t>pedidos</a:t>
+                      </a:r>
+                      <a:r>
+                        <a:rPr lang="en-US" sz="1400" b="0" kern="1200" baseline="0" dirty="0" smtClean="0">
+                          <a:solidFill>
+                            <a:schemeClr val="tx1"/>
+                          </a:solidFill>
+                          <a:latin typeface="+mn-lt"/>
+                          <a:ea typeface="+mn-ea"/>
+                          <a:cs typeface="+mn-cs"/>
+                        </a:rPr>
                         <a:t> </a:t>
                       </a:r>
                       <a:r>
@@ -7122,7 +7831,7 @@
                           <a:ea typeface="+mn-ea"/>
                           <a:cs typeface="+mn-cs"/>
                         </a:rPr>
-                        <a:t>quero</a:t>
+                        <a:t>realizados</a:t>
                       </a:r>
                       <a:r>
                         <a:rPr lang="en-US" sz="1400" b="0" kern="1200" baseline="0" dirty="0" smtClean="0">
@@ -7133,6 +7842,28 @@
                           <a:ea typeface="+mn-ea"/>
                           <a:cs typeface="+mn-cs"/>
                         </a:rPr>
+                        <a:t>, para que </a:t>
+                      </a:r>
+                      <a:r>
+                        <a:rPr lang="en-US" sz="1400" b="0" kern="1200" baseline="0" dirty="0" err="1" smtClean="0">
+                          <a:solidFill>
+                            <a:schemeClr val="tx1"/>
+                          </a:solidFill>
+                          <a:latin typeface="+mn-lt"/>
+                          <a:ea typeface="+mn-ea"/>
+                          <a:cs typeface="+mn-cs"/>
+                        </a:rPr>
+                        <a:t>possa</a:t>
+                      </a:r>
+                      <a:r>
+                        <a:rPr lang="en-US" sz="1400" b="0" kern="1200" baseline="0" dirty="0" smtClean="0">
+                          <a:solidFill>
+                            <a:schemeClr val="tx1"/>
+                          </a:solidFill>
+                          <a:latin typeface="+mn-lt"/>
+                          <a:ea typeface="+mn-ea"/>
+                          <a:cs typeface="+mn-cs"/>
+                        </a:rPr>
                         <a:t> </a:t>
                       </a:r>
                       <a:r>
@@ -7144,7 +7875,7 @@
                           <a:ea typeface="+mn-ea"/>
                           <a:cs typeface="+mn-cs"/>
                         </a:rPr>
-                        <a:t>visualizar</a:t>
+                        <a:t>acompanhar</a:t>
                       </a:r>
                       <a:r>
                         <a:rPr lang="en-US" sz="1400" b="0" kern="1200" baseline="0" dirty="0" smtClean="0">
@@ -7155,7 +7886,7 @@
                           <a:ea typeface="+mn-ea"/>
                           <a:cs typeface="+mn-cs"/>
                         </a:rPr>
-                        <a:t> o status dos </a:t>
+                        <a:t> a </a:t>
                       </a:r>
                       <a:r>
                         <a:rPr lang="en-US" sz="1400" b="0" kern="1200" baseline="0" dirty="0" err="1" smtClean="0">
@@ -7166,7 +7897,7 @@
                           <a:ea typeface="+mn-ea"/>
                           <a:cs typeface="+mn-cs"/>
                         </a:rPr>
-                        <a:t>pedidos</a:t>
+                        <a:t>entrega</a:t>
                       </a:r>
                       <a:r>
                         <a:rPr lang="en-US" sz="1400" b="0" kern="1200" baseline="0" dirty="0" smtClean="0">
@@ -7177,128 +7908,7 @@
                           <a:ea typeface="+mn-ea"/>
                           <a:cs typeface="+mn-cs"/>
                         </a:rPr>
-                        <a:t> </a:t>
-                      </a:r>
-                      <a:r>
-                        <a:rPr lang="en-US" sz="1400" b="0" kern="1200" baseline="0" dirty="0" err="1" smtClean="0">
-                          <a:solidFill>
-                            <a:schemeClr val="tx1"/>
-                          </a:solidFill>
-                          <a:latin typeface="+mn-lt"/>
-                          <a:ea typeface="+mn-ea"/>
-                          <a:cs typeface="+mn-cs"/>
-                        </a:rPr>
-                        <a:t>realizados</a:t>
-                      </a:r>
-                      <a:r>
-                        <a:rPr lang="en-US" sz="1400" b="0" kern="1200" baseline="0" dirty="0" smtClean="0">
-                          <a:solidFill>
-                            <a:schemeClr val="tx1"/>
-                          </a:solidFill>
-                          <a:latin typeface="+mn-lt"/>
-                          <a:ea typeface="+mn-ea"/>
-                          <a:cs typeface="+mn-cs"/>
-                        </a:rPr>
-                        <a:t>, para </a:t>
-                      </a:r>
-                      <a:r>
-                        <a:rPr lang="en-US" sz="1400" b="0" kern="1200" baseline="0" dirty="0" err="1" smtClean="0">
-                          <a:solidFill>
-                            <a:schemeClr val="tx1"/>
-                          </a:solidFill>
-                          <a:latin typeface="+mn-lt"/>
-                          <a:ea typeface="+mn-ea"/>
-                          <a:cs typeface="+mn-cs"/>
-                        </a:rPr>
-                        <a:t>que</a:t>
-                      </a:r>
-                      <a:r>
-                        <a:rPr lang="en-US" sz="1400" b="0" kern="1200" baseline="0" dirty="0" smtClean="0">
-                          <a:solidFill>
-                            <a:schemeClr val="tx1"/>
-                          </a:solidFill>
-                          <a:latin typeface="+mn-lt"/>
-                          <a:ea typeface="+mn-ea"/>
-                          <a:cs typeface="+mn-cs"/>
-                        </a:rPr>
-                        <a:t> </a:t>
-                      </a:r>
-                      <a:r>
-                        <a:rPr lang="en-US" sz="1400" b="0" kern="1200" baseline="0" dirty="0" err="1" smtClean="0">
-                          <a:solidFill>
-                            <a:schemeClr val="tx1"/>
-                          </a:solidFill>
-                          <a:latin typeface="+mn-lt"/>
-                          <a:ea typeface="+mn-ea"/>
-                          <a:cs typeface="+mn-cs"/>
-                        </a:rPr>
-                        <a:t>possa</a:t>
-                      </a:r>
-                      <a:r>
-                        <a:rPr lang="en-US" sz="1400" b="0" kern="1200" baseline="0" dirty="0" smtClean="0">
-                          <a:solidFill>
-                            <a:schemeClr val="tx1"/>
-                          </a:solidFill>
-                          <a:latin typeface="+mn-lt"/>
-                          <a:ea typeface="+mn-ea"/>
-                          <a:cs typeface="+mn-cs"/>
-                        </a:rPr>
-                        <a:t> </a:t>
-                      </a:r>
-                      <a:r>
-                        <a:rPr lang="en-US" sz="1400" b="0" kern="1200" baseline="0" dirty="0" err="1" smtClean="0">
-                          <a:solidFill>
-                            <a:schemeClr val="tx1"/>
-                          </a:solidFill>
-                          <a:latin typeface="+mn-lt"/>
-                          <a:ea typeface="+mn-ea"/>
-                          <a:cs typeface="+mn-cs"/>
-                        </a:rPr>
-                        <a:t>acompanhar</a:t>
-                      </a:r>
-                      <a:r>
-                        <a:rPr lang="en-US" sz="1400" b="0" kern="1200" baseline="0" dirty="0" smtClean="0">
-                          <a:solidFill>
-                            <a:schemeClr val="tx1"/>
-                          </a:solidFill>
-                          <a:latin typeface="+mn-lt"/>
-                          <a:ea typeface="+mn-ea"/>
-                          <a:cs typeface="+mn-cs"/>
-                        </a:rPr>
-                        <a:t> a </a:t>
-                      </a:r>
-                      <a:r>
-                        <a:rPr lang="en-US" sz="1400" b="0" kern="1200" baseline="0" dirty="0" err="1" smtClean="0">
-                          <a:solidFill>
-                            <a:schemeClr val="tx1"/>
-                          </a:solidFill>
-                          <a:latin typeface="+mn-lt"/>
-                          <a:ea typeface="+mn-ea"/>
-                          <a:cs typeface="+mn-cs"/>
-                        </a:rPr>
-                        <a:t>entrega</a:t>
-                      </a:r>
-                      <a:r>
-                        <a:rPr lang="en-US" sz="1400" b="0" kern="1200" baseline="0" dirty="0" smtClean="0">
-                          <a:solidFill>
-                            <a:schemeClr val="tx1"/>
-                          </a:solidFill>
-                          <a:latin typeface="+mn-lt"/>
-                          <a:ea typeface="+mn-ea"/>
-                          <a:cs typeface="+mn-cs"/>
-                        </a:rPr>
-                        <a:t> do </a:t>
-                      </a:r>
-                      <a:r>
-                        <a:rPr lang="en-US" sz="1400" b="0" kern="1200" baseline="0" dirty="0" err="1" smtClean="0">
-                          <a:solidFill>
-                            <a:schemeClr val="tx1"/>
-                          </a:solidFill>
-                          <a:latin typeface="+mn-lt"/>
-                          <a:ea typeface="+mn-ea"/>
-                          <a:cs typeface="+mn-cs"/>
-                        </a:rPr>
-                        <a:t>produto</a:t>
+                        <a:t> do produto</a:t>
                       </a:r>
                       <a:endParaRPr lang="en-US" sz="1400" b="0" kern="1200" dirty="0">
                         <a:solidFill>
@@ -7321,17 +7931,6 @@
                         <a:buAutoNum type="arabicPeriod"/>
                       </a:pPr>
                       <a:r>
-                        <a:rPr lang="en-US" sz="1400" b="0" kern="1200" dirty="0" err="1" smtClean="0">
-                          <a:solidFill>
-                            <a:schemeClr val="tx1"/>
-                          </a:solidFill>
-                          <a:latin typeface="+mn-lt"/>
-                          <a:ea typeface="+mn-ea"/>
-                          <a:cs typeface="+mn-cs"/>
-                        </a:rPr>
-                        <a:t>Visualizar</a:t>
-                      </a:r>
-                      <a:r>
                         <a:rPr lang="en-US" sz="1400" b="0" kern="1200" dirty="0" smtClean="0">
                           <a:solidFill>
                             <a:schemeClr val="tx1"/>
@@ -7340,7 +7939,7 @@
                           <a:ea typeface="+mn-ea"/>
                           <a:cs typeface="+mn-cs"/>
                         </a:rPr>
-                        <a:t> </a:t>
+                        <a:t>Visualizar </a:t>
                       </a:r>
                       <a:r>
                         <a:rPr lang="en-US" sz="1400" b="0" kern="1200" dirty="0" err="1" smtClean="0">
@@ -7745,7 +8344,7 @@
 </p:sld>
 </file>
 
-<file path=ppt/slides/slide16.xml><?xml version="1.0" encoding="utf-8"?>
+<file path=ppt/slides/slide17.xml><?xml version="1.0" encoding="utf-8"?>
 <p:sld xmlns:a="http://schemas.openxmlformats.org/drawingml/2006/main" xmlns:r="http://schemas.openxmlformats.org/officeDocument/2006/relationships" xmlns:p="http://schemas.openxmlformats.org/presentationml/2006/main">
   <p:cSld>
     <p:spTree>
@@ -7833,7 +8432,7 @@
 </p:sld>
 </file>
 
-<file path=ppt/slides/slide17.xml><?xml version="1.0" encoding="utf-8"?>
+<file path=ppt/slides/slide18.xml><?xml version="1.0" encoding="utf-8"?>
 <p:sld xmlns:a="http://schemas.openxmlformats.org/drawingml/2006/main" xmlns:r="http://schemas.openxmlformats.org/officeDocument/2006/relationships" xmlns:p="http://schemas.openxmlformats.org/presentationml/2006/main">
   <p:cSld>
     <p:spTree>
@@ -9108,33 +9707,6 @@
                     <a:p>
                       <a:pPr algn="ctr" fontAlgn="ctr"/>
                       <a:r>
-                        <a:rPr lang="pt-BR" sz="1800" u="none" strike="noStrike">
-                          <a:effectLst/>
-                        </a:rPr>
-                        <a:t>X</a:t>
-                      </a:r>
-                      <a:endParaRPr lang="pt-BR" sz="1800" b="0" i="0" u="none" strike="noStrike">
-                        <a:solidFill>
-                          <a:srgbClr val="000000"/>
-                        </a:solidFill>
-                        <a:effectLst/>
-                        <a:latin typeface="Calibri" panose="020F0502020204030204" pitchFamily="34" charset="0"/>
-                      </a:endParaRPr>
-                    </a:p>
-                  </a:txBody>
-                  <a:tcPr marL="9525" marR="9525" marT="9525" marB="0" anchor="ctr">
-                    <a:solidFill>
-                      <a:srgbClr val="FFFF99"/>
-                    </a:solidFill>
-                  </a:tcPr>
-                </a:tc>
-                <a:tc>
-                  <a:txBody>
-                    <a:bodyPr/>
-                    <a:lstStyle/>
-                    <a:p>
-                      <a:pPr algn="ctr" fontAlgn="ctr"/>
-                      <a:r>
                         <a:rPr lang="pt-BR" sz="1800" u="none" strike="noStrike" dirty="0">
                           <a:effectLst/>
                         </a:rPr>
@@ -9155,6 +9727,33 @@
                     </a:solidFill>
                   </a:tcPr>
                 </a:tc>
+                <a:tc>
+                  <a:txBody>
+                    <a:bodyPr/>
+                    <a:lstStyle/>
+                    <a:p>
+                      <a:pPr algn="ctr" fontAlgn="ctr"/>
+                      <a:r>
+                        <a:rPr lang="pt-BR" sz="1800" u="none" strike="noStrike" dirty="0">
+                          <a:effectLst/>
+                        </a:rPr>
+                        <a:t>X</a:t>
+                      </a:r>
+                      <a:endParaRPr lang="pt-BR" sz="1800" b="0" i="0" u="none" strike="noStrike" dirty="0">
+                        <a:solidFill>
+                          <a:srgbClr val="000000"/>
+                        </a:solidFill>
+                        <a:effectLst/>
+                        <a:latin typeface="Calibri" panose="020F0502020204030204" pitchFamily="34" charset="0"/>
+                      </a:endParaRPr>
+                    </a:p>
+                  </a:txBody>
+                  <a:tcPr marL="9525" marR="9525" marT="9525" marB="0" anchor="ctr">
+                    <a:solidFill>
+                      <a:srgbClr val="FFFF99"/>
+                    </a:solidFill>
+                  </a:tcPr>
+                </a:tc>
                 <a:extLst>
                   <a:ext uri="{0D108BD9-81ED-4DB2-BD59-A6C34878D82A}">
                     <a16:rowId xmlns="" xmlns:a16="http://schemas.microsoft.com/office/drawing/2014/main" val="3514683180"/>
@@ -9250,12 +9849,12 @@
                     <a:p>
                       <a:pPr algn="ctr" fontAlgn="ctr"/>
                       <a:r>
-                        <a:rPr lang="pt-BR" sz="1800" u="none" strike="noStrike">
+                        <a:rPr lang="pt-BR" sz="1800" u="none" strike="noStrike" dirty="0">
                           <a:effectLst/>
                         </a:rPr>
                         <a:t>X</a:t>
                       </a:r>
-                      <a:endParaRPr lang="pt-BR" sz="1800" b="0" i="0" u="none" strike="noStrike">
+                      <a:endParaRPr lang="pt-BR" sz="1800" b="0" i="0" u="none" strike="noStrike" dirty="0">
                         <a:solidFill>
                           <a:srgbClr val="000000"/>
                         </a:solidFill>
@@ -9583,14 +10182,14 @@
           <p:nvPr>
             <p:extLst>
               <p:ext uri="{D42A27DB-BD31-4B8C-83A1-F6EECF244321}">
-                <p14:modId xmlns:p14="http://schemas.microsoft.com/office/powerpoint/2010/main" val="3567541971"/>
+                <p14:modId xmlns:p14="http://schemas.microsoft.com/office/powerpoint/2010/main" val="1545468834"/>
               </p:ext>
             </p:extLst>
           </p:nvPr>
         </p:nvGraphicFramePr>
         <p:xfrm>
-          <a:off x="264913" y="1759301"/>
-          <a:ext cx="11607922" cy="2934997"/>
+          <a:off x="264913" y="1639223"/>
+          <a:ext cx="11607922" cy="4843463"/>
         </p:xfrm>
         <a:graphic>
           <a:graphicData uri="http://schemas.openxmlformats.org/drawingml/2006/table">
@@ -9635,7 +10234,7 @@
                   </a:extLst>
                 </a:gridCol>
               </a:tblGrid>
-              <a:tr h="176377">
+              <a:tr h="324128">
                 <a:tc>
                   <a:txBody>
                     <a:bodyPr/>
@@ -9762,7 +10361,7 @@
                   </a:ext>
                 </a:extLst>
               </a:tr>
-              <a:tr h="655168">
+              <a:tr h="675602">
                 <a:tc>
                   <a:txBody>
                     <a:bodyPr/>
@@ -9934,7 +10533,7 @@
                   </a:ext>
                 </a:extLst>
               </a:tr>
-              <a:tr h="655168">
+              <a:tr h="675602">
                 <a:tc>
                   <a:txBody>
                     <a:bodyPr/>
@@ -10078,7 +10677,7 @@
                   </a:ext>
                 </a:extLst>
               </a:tr>
-              <a:tr h="655168">
+              <a:tr h="675602">
                 <a:tc>
                   <a:txBody>
                     <a:bodyPr/>
@@ -10086,7 +10685,7 @@
                     <a:p>
                       <a:pPr algn="ctr" fontAlgn="ctr"/>
                       <a:r>
-                        <a:rPr lang="pt-BR" sz="1800" b="0" i="0" u="none" strike="noStrike" smtClean="0">
+                        <a:rPr lang="pt-BR" sz="1800" b="0" i="0" u="none" strike="noStrike" dirty="0" smtClean="0">
                           <a:solidFill>
                             <a:srgbClr val="000000"/>
                           </a:solidFill>
@@ -10247,7 +10846,7 @@
                   </a:ext>
                 </a:extLst>
               </a:tr>
-              <a:tr h="655168">
+              <a:tr h="675602">
                 <a:tc>
                   <a:txBody>
                     <a:bodyPr/>
@@ -10255,7 +10854,7 @@
                     <a:p>
                       <a:pPr algn="ctr" fontAlgn="ctr"/>
                       <a:r>
-                        <a:rPr lang="pt-BR" sz="1800" u="none" strike="noStrike" smtClean="0">
+                        <a:rPr lang="pt-BR" sz="1800" u="none" strike="noStrike" dirty="0" smtClean="0">
                           <a:effectLst/>
                         </a:rPr>
                         <a:t> Visualizar produção</a:t>
@@ -10289,7 +10888,7 @@
                           <a:effectLst/>
                           <a:latin typeface="Calibri" panose="020F0502020204030204" pitchFamily="34" charset="0"/>
                         </a:rPr>
-                        <a:t>Funcionário pode visualizar a produção realizada diariamente</a:t>
+                        <a:t>Funcionário pode visualizar a produção que será realizada no dia.</a:t>
                       </a:r>
                       <a:endParaRPr lang="pt-BR" sz="1800" b="0" i="0" u="none" strike="noStrike" dirty="0">
                         <a:solidFill>
@@ -10428,6 +11027,419 @@
                     <a16:rowId xmlns="" xmlns:a16="http://schemas.microsoft.com/office/drawing/2014/main" val="1134341105"/>
                   </a:ext>
                 </a:extLst>
+              </a:tr>
+              <a:tr h="675602">
+                <a:tc>
+                  <a:txBody>
+                    <a:bodyPr/>
+                    <a:lstStyle/>
+                    <a:p>
+                      <a:pPr algn="ctr" fontAlgn="ctr"/>
+                      <a:r>
+                        <a:rPr lang="pt-BR" sz="1800" b="0" i="0" u="none" strike="noStrike" dirty="0" smtClean="0">
+                          <a:solidFill>
+                            <a:srgbClr val="000000"/>
+                          </a:solidFill>
+                          <a:effectLst/>
+                          <a:latin typeface="Calibri" panose="020F0502020204030204" pitchFamily="34" charset="0"/>
+                        </a:rPr>
+                        <a:t>Acompanhar Produção</a:t>
+                      </a:r>
+                      <a:endParaRPr lang="pt-BR" sz="1800" b="0" i="0" u="none" strike="noStrike" dirty="0">
+                        <a:solidFill>
+                          <a:srgbClr val="000000"/>
+                        </a:solidFill>
+                        <a:effectLst/>
+                        <a:latin typeface="Calibri" panose="020F0502020204030204" pitchFamily="34" charset="0"/>
+                      </a:endParaRPr>
+                    </a:p>
+                  </a:txBody>
+                  <a:tcPr marL="9525" marR="9525" marT="9525" marB="0" anchor="ctr">
+                    <a:solidFill>
+                      <a:srgbClr val="FFFF99"/>
+                    </a:solidFill>
+                  </a:tcPr>
+                </a:tc>
+                <a:tc>
+                  <a:txBody>
+                    <a:bodyPr/>
+                    <a:lstStyle/>
+                    <a:p>
+                      <a:pPr lvl="0" algn="l" fontAlgn="ctr"/>
+                      <a:r>
+                        <a:rPr lang="pt-BR" sz="1800" b="0" i="0" u="none" strike="noStrike" dirty="0" smtClean="0">
+                          <a:solidFill>
+                            <a:srgbClr val="000000"/>
+                          </a:solidFill>
+                          <a:effectLst/>
+                          <a:latin typeface="Calibri" panose="020F0502020204030204" pitchFamily="34" charset="0"/>
+                        </a:rPr>
+                        <a:t>Todos os funcionários</a:t>
+                      </a:r>
+                      <a:r>
+                        <a:rPr lang="pt-BR" sz="1800" b="0" i="0" u="none" strike="noStrike" baseline="0" dirty="0" smtClean="0">
+                          <a:solidFill>
+                            <a:srgbClr val="000000"/>
+                          </a:solidFill>
+                          <a:effectLst/>
+                          <a:latin typeface="Calibri" panose="020F0502020204030204" pitchFamily="34" charset="0"/>
+                        </a:rPr>
+                        <a:t> </a:t>
+                      </a:r>
+                      <a:r>
+                        <a:rPr lang="pt-BR" sz="1800" b="0" i="0" u="none" strike="noStrike" dirty="0" smtClean="0">
+                          <a:solidFill>
+                            <a:srgbClr val="000000"/>
+                          </a:solidFill>
+                          <a:effectLst/>
+                          <a:latin typeface="Calibri" panose="020F0502020204030204" pitchFamily="34" charset="0"/>
+                        </a:rPr>
+                        <a:t>poderão</a:t>
+                      </a:r>
+                      <a:r>
+                        <a:rPr lang="pt-BR" sz="1800" b="0" i="0" u="none" strike="noStrike" baseline="0" dirty="0" smtClean="0">
+                          <a:solidFill>
+                            <a:srgbClr val="000000"/>
+                          </a:solidFill>
+                          <a:effectLst/>
+                          <a:latin typeface="Calibri" panose="020F0502020204030204" pitchFamily="34" charset="0"/>
+                        </a:rPr>
+                        <a:t> acompanhar a produção que estão disponível para venda.</a:t>
+                      </a:r>
+                      <a:endParaRPr lang="pt-BR" sz="1800" b="0" i="0" u="none" strike="noStrike" dirty="0">
+                        <a:solidFill>
+                          <a:srgbClr val="000000"/>
+                        </a:solidFill>
+                        <a:effectLst/>
+                        <a:latin typeface="Calibri" panose="020F0502020204030204" pitchFamily="34" charset="0"/>
+                      </a:endParaRPr>
+                    </a:p>
+                  </a:txBody>
+                  <a:tcPr marL="9525" marR="9525" marT="9525" marB="0" anchor="ctr">
+                    <a:solidFill>
+                      <a:srgbClr val="FFFF99"/>
+                    </a:solidFill>
+                  </a:tcPr>
+                </a:tc>
+                <a:tc>
+                  <a:txBody>
+                    <a:bodyPr/>
+                    <a:lstStyle/>
+                    <a:p>
+                      <a:pPr algn="ctr" fontAlgn="ctr"/>
+                      <a:r>
+                        <a:rPr lang="pt-BR" sz="1800" b="0" i="0" u="none" strike="noStrike" dirty="0" smtClean="0">
+                          <a:solidFill>
+                            <a:srgbClr val="000000"/>
+                          </a:solidFill>
+                          <a:effectLst/>
+                          <a:latin typeface="Calibri" panose="020F0502020204030204" pitchFamily="34" charset="0"/>
+                        </a:rPr>
+                        <a:t>Funcionários</a:t>
+                      </a:r>
+                      <a:endParaRPr lang="pt-BR" sz="1800" b="0" i="0" u="none" strike="noStrike" dirty="0">
+                        <a:solidFill>
+                          <a:srgbClr val="000000"/>
+                        </a:solidFill>
+                        <a:effectLst/>
+                        <a:latin typeface="Calibri" panose="020F0502020204030204" pitchFamily="34" charset="0"/>
+                      </a:endParaRPr>
+                    </a:p>
+                  </a:txBody>
+                  <a:tcPr marL="9525" marR="9525" marT="9525" marB="0" anchor="ctr">
+                    <a:solidFill>
+                      <a:srgbClr val="FFFF99"/>
+                    </a:solidFill>
+                  </a:tcPr>
+                </a:tc>
+                <a:tc>
+                  <a:txBody>
+                    <a:bodyPr/>
+                    <a:lstStyle/>
+                    <a:p>
+                      <a:pPr marL="0" marR="0" indent="0" algn="ctr" defTabSz="914400" rtl="0" eaLnBrk="1" fontAlgn="ctr" latinLnBrk="0" hangingPunct="1">
+                        <a:lnSpc>
+                          <a:spcPct val="100000"/>
+                        </a:lnSpc>
+                        <a:spcBef>
+                          <a:spcPts val="0"/>
+                        </a:spcBef>
+                        <a:spcAft>
+                          <a:spcPts val="0"/>
+                        </a:spcAft>
+                        <a:buClrTx/>
+                        <a:buSzTx/>
+                        <a:buFontTx/>
+                        <a:buNone/>
+                        <a:tabLst/>
+                        <a:defRPr/>
+                      </a:pPr>
+                      <a:endParaRPr lang="pt-BR" sz="1800" b="0" i="0" u="none" strike="noStrike" dirty="0" smtClean="0">
+                        <a:solidFill>
+                          <a:srgbClr val="000000"/>
+                        </a:solidFill>
+                        <a:effectLst/>
+                        <a:latin typeface="Calibri" panose="020F0502020204030204" pitchFamily="34" charset="0"/>
+                      </a:endParaRPr>
+                    </a:p>
+                  </a:txBody>
+                  <a:tcPr marL="9525" marR="9525" marT="9525" marB="0" anchor="ctr">
+                    <a:solidFill>
+                      <a:srgbClr val="FFFF99"/>
+                    </a:solidFill>
+                  </a:tcPr>
+                </a:tc>
+                <a:tc>
+                  <a:txBody>
+                    <a:bodyPr/>
+                    <a:lstStyle/>
+                    <a:p>
+                      <a:pPr marL="0" marR="0" indent="0" algn="ctr" defTabSz="914400" rtl="0" eaLnBrk="1" fontAlgn="ctr" latinLnBrk="0" hangingPunct="1">
+                        <a:lnSpc>
+                          <a:spcPct val="100000"/>
+                        </a:lnSpc>
+                        <a:spcBef>
+                          <a:spcPts val="0"/>
+                        </a:spcBef>
+                        <a:spcAft>
+                          <a:spcPts val="0"/>
+                        </a:spcAft>
+                        <a:buClrTx/>
+                        <a:buSzTx/>
+                        <a:buFontTx/>
+                        <a:buNone/>
+                        <a:tabLst/>
+                        <a:defRPr/>
+                      </a:pPr>
+                      <a:r>
+                        <a:rPr lang="pt-BR" sz="1800" b="0" i="0" u="none" strike="noStrike" dirty="0" smtClean="0">
+                          <a:solidFill>
+                            <a:srgbClr val="000000"/>
+                          </a:solidFill>
+                          <a:effectLst/>
+                          <a:latin typeface="Calibri" panose="020F0502020204030204" pitchFamily="34" charset="0"/>
+                        </a:rPr>
+                        <a:t>X</a:t>
+                      </a:r>
+                    </a:p>
+                  </a:txBody>
+                  <a:tcPr marL="9525" marR="9525" marT="9525" marB="0" anchor="ctr">
+                    <a:solidFill>
+                      <a:srgbClr val="FFFF99"/>
+                    </a:solidFill>
+                  </a:tcPr>
+                </a:tc>
+              </a:tr>
+              <a:tr h="1141325">
+                <a:tc>
+                  <a:txBody>
+                    <a:bodyPr/>
+                    <a:lstStyle/>
+                    <a:p>
+                      <a:pPr algn="ctr" fontAlgn="ctr"/>
+                      <a:r>
+                        <a:rPr lang="pt-BR" sz="1800" b="0" i="0" u="none" strike="noStrike" dirty="0" smtClean="0">
+                          <a:solidFill>
+                            <a:srgbClr val="000000"/>
+                          </a:solidFill>
+                          <a:effectLst/>
+                          <a:latin typeface="Calibri" panose="020F0502020204030204" pitchFamily="34" charset="0"/>
+                        </a:rPr>
+                        <a:t>Assar produção</a:t>
+                      </a:r>
+                      <a:endParaRPr lang="pt-BR" sz="1800" b="0" i="0" u="none" strike="noStrike" dirty="0">
+                        <a:solidFill>
+                          <a:srgbClr val="000000"/>
+                        </a:solidFill>
+                        <a:effectLst/>
+                        <a:latin typeface="Calibri" panose="020F0502020204030204" pitchFamily="34" charset="0"/>
+                      </a:endParaRPr>
+                    </a:p>
+                  </a:txBody>
+                  <a:tcPr marL="9525" marR="9525" marT="9525" marB="0" anchor="ctr">
+                    <a:solidFill>
+                      <a:srgbClr val="FFFF99"/>
+                    </a:solidFill>
+                  </a:tcPr>
+                </a:tc>
+                <a:tc>
+                  <a:txBody>
+                    <a:bodyPr/>
+                    <a:lstStyle/>
+                    <a:p>
+                      <a:pPr lvl="0" algn="l" fontAlgn="ctr"/>
+                      <a:r>
+                        <a:rPr lang="pt-BR" sz="1800" b="0" i="0" u="none" strike="noStrike" dirty="0" smtClean="0">
+                          <a:solidFill>
+                            <a:srgbClr val="000000"/>
+                          </a:solidFill>
+                          <a:effectLst/>
+                          <a:latin typeface="Calibri" panose="020F0502020204030204" pitchFamily="34" charset="0"/>
+                        </a:rPr>
+                        <a:t>O ajudante será</a:t>
+                      </a:r>
+                      <a:r>
+                        <a:rPr lang="pt-BR" sz="1800" b="0" i="0" u="none" strike="noStrike" baseline="0" dirty="0" smtClean="0">
+                          <a:solidFill>
+                            <a:srgbClr val="000000"/>
+                          </a:solidFill>
+                          <a:effectLst/>
+                          <a:latin typeface="Calibri" panose="020F0502020204030204" pitchFamily="34" charset="0"/>
+                        </a:rPr>
+                        <a:t> responsável por assar todas as produções destinada ao forno.</a:t>
+                      </a:r>
+                      <a:endParaRPr lang="pt-BR" sz="1800" b="0" i="0" u="none" strike="noStrike" dirty="0">
+                        <a:solidFill>
+                          <a:srgbClr val="000000"/>
+                        </a:solidFill>
+                        <a:effectLst/>
+                        <a:latin typeface="Calibri" panose="020F0502020204030204" pitchFamily="34" charset="0"/>
+                      </a:endParaRPr>
+                    </a:p>
+                  </a:txBody>
+                  <a:tcPr marL="9525" marR="9525" marT="9525" marB="0" anchor="ctr">
+                    <a:solidFill>
+                      <a:srgbClr val="FFFF99"/>
+                    </a:solidFill>
+                  </a:tcPr>
+                </a:tc>
+                <a:tc>
+                  <a:txBody>
+                    <a:bodyPr/>
+                    <a:lstStyle/>
+                    <a:p>
+                      <a:pPr marL="0" marR="0" indent="0" algn="ctr" defTabSz="914400" rtl="0" eaLnBrk="1" fontAlgn="ctr" latinLnBrk="0" hangingPunct="1">
+                        <a:lnSpc>
+                          <a:spcPct val="100000"/>
+                        </a:lnSpc>
+                        <a:spcBef>
+                          <a:spcPts val="0"/>
+                        </a:spcBef>
+                        <a:spcAft>
+                          <a:spcPts val="0"/>
+                        </a:spcAft>
+                        <a:buClrTx/>
+                        <a:buSzTx/>
+                        <a:buFontTx/>
+                        <a:buNone/>
+                        <a:tabLst/>
+                        <a:defRPr/>
+                      </a:pPr>
+                      <a:r>
+                        <a:rPr lang="pt-BR" sz="1800" b="0" i="0" u="none" strike="noStrike" dirty="0" smtClean="0">
+                          <a:solidFill>
+                            <a:srgbClr val="000000"/>
+                          </a:solidFill>
+                          <a:effectLst/>
+                          <a:latin typeface="Calibri" panose="020F0502020204030204" pitchFamily="34" charset="0"/>
+                        </a:rPr>
+                        <a:t>Padeiro Confeiteiro</a:t>
+                      </a:r>
+                    </a:p>
+                    <a:p>
+                      <a:pPr algn="ctr" fontAlgn="ctr"/>
+                      <a:r>
+                        <a:rPr lang="pt-BR" sz="1800" b="0" i="0" u="none" strike="noStrike" dirty="0" smtClean="0">
+                          <a:solidFill>
+                            <a:srgbClr val="000000"/>
+                          </a:solidFill>
+                          <a:effectLst/>
+                          <a:latin typeface="Calibri" panose="020F0502020204030204" pitchFamily="34" charset="0"/>
+                        </a:rPr>
+                        <a:t>Ajudante</a:t>
+                      </a:r>
+                      <a:endParaRPr lang="pt-BR" sz="1800" b="0" i="0" u="none" strike="noStrike" dirty="0">
+                        <a:solidFill>
+                          <a:srgbClr val="000000"/>
+                        </a:solidFill>
+                        <a:effectLst/>
+                        <a:latin typeface="Calibri" panose="020F0502020204030204" pitchFamily="34" charset="0"/>
+                      </a:endParaRPr>
+                    </a:p>
+                  </a:txBody>
+                  <a:tcPr marL="9525" marR="9525" marT="9525" marB="0" anchor="ctr">
+                    <a:solidFill>
+                      <a:srgbClr val="FFFF99"/>
+                    </a:solidFill>
+                  </a:tcPr>
+                </a:tc>
+                <a:tc>
+                  <a:txBody>
+                    <a:bodyPr/>
+                    <a:lstStyle/>
+                    <a:p>
+                      <a:pPr marL="0" marR="0" indent="0" algn="ctr" defTabSz="914400" rtl="0" eaLnBrk="1" fontAlgn="ctr" latinLnBrk="0" hangingPunct="1">
+                        <a:lnSpc>
+                          <a:spcPct val="100000"/>
+                        </a:lnSpc>
+                        <a:spcBef>
+                          <a:spcPts val="0"/>
+                        </a:spcBef>
+                        <a:spcAft>
+                          <a:spcPts val="0"/>
+                        </a:spcAft>
+                        <a:buClrTx/>
+                        <a:buSzTx/>
+                        <a:buFontTx/>
+                        <a:buNone/>
+                        <a:tabLst/>
+                        <a:defRPr/>
+                      </a:pPr>
+                      <a:r>
+                        <a:rPr lang="pt-BR" sz="1800" b="0" i="0" u="none" strike="noStrike" dirty="0" smtClean="0">
+                          <a:solidFill>
+                            <a:srgbClr val="000000"/>
+                          </a:solidFill>
+                          <a:effectLst/>
+                          <a:latin typeface="Calibri" panose="020F0502020204030204" pitchFamily="34" charset="0"/>
+                        </a:rPr>
+                        <a:t>X</a:t>
+                      </a:r>
+                    </a:p>
+                  </a:txBody>
+                  <a:tcPr marL="9525" marR="9525" marT="9525" marB="0" anchor="ctr">
+                    <a:solidFill>
+                      <a:srgbClr val="FFFF99"/>
+                    </a:solidFill>
+                  </a:tcPr>
+                </a:tc>
+                <a:tc>
+                  <a:txBody>
+                    <a:bodyPr/>
+                    <a:lstStyle/>
+                    <a:p>
+                      <a:pPr marL="0" marR="0" indent="0" algn="ctr" defTabSz="914400" rtl="0" eaLnBrk="1" fontAlgn="ctr" latinLnBrk="0" hangingPunct="1">
+                        <a:lnSpc>
+                          <a:spcPct val="100000"/>
+                        </a:lnSpc>
+                        <a:spcBef>
+                          <a:spcPts val="0"/>
+                        </a:spcBef>
+                        <a:spcAft>
+                          <a:spcPts val="0"/>
+                        </a:spcAft>
+                        <a:buClrTx/>
+                        <a:buSzTx/>
+                        <a:buFontTx/>
+                        <a:buNone/>
+                        <a:tabLst/>
+                        <a:defRPr/>
+                      </a:pPr>
+                      <a:endParaRPr lang="pt-BR" sz="1800" b="0" i="0" u="none" strike="noStrike" dirty="0" smtClean="0">
+                        <a:solidFill>
+                          <a:srgbClr val="000000"/>
+                        </a:solidFill>
+                        <a:effectLst/>
+                        <a:latin typeface="Calibri" panose="020F0502020204030204" pitchFamily="34" charset="0"/>
+                      </a:endParaRPr>
+                    </a:p>
+                  </a:txBody>
+                  <a:tcPr marL="9525" marR="9525" marT="9525" marB="0" anchor="ctr">
+                    <a:solidFill>
+                      <a:srgbClr val="FFFF99"/>
+                    </a:solidFill>
+                  </a:tcPr>
+                </a:tc>
               </a:tr>
             </a:tbl>
           </a:graphicData>
@@ -10474,7 +11486,7 @@
             <a:pPr algn="l"/>
             <a:r>
               <a:rPr lang="pt-BR" dirty="0" smtClean="0"/>
-              <a:t>Reginaldo Costa</a:t>
+              <a:t>Reginaldo Castro</a:t>
             </a:r>
             <a:endParaRPr lang="pt-BR" dirty="0"/>
           </a:p>
